--- a/Presentations/ECNS 2015/SCDPoster.pptx
+++ b/Presentations/ECNS 2015/SCDPoster.pptx
@@ -140,6 +140,36 @@
       </a:defRPr>
     </a:lvl9pPr>
   </p:defaultTextStyle>
+  <p:extLst>
+    <p:ext uri="{EFAFB233-063F-42B5-8137-9DF3F51BA10A}">
+      <p15:sldGuideLst xmlns:p15="http://schemas.microsoft.com/office/powerpoint/2012/main">
+        <p15:guide id="1" orient="horz" pos="13488">
+          <p15:clr>
+            <a:srgbClr val="A4A3A4"/>
+          </p15:clr>
+        </p15:guide>
+        <p15:guide id="2" pos="9524">
+          <p15:clr>
+            <a:srgbClr val="A4A3A4"/>
+          </p15:clr>
+        </p15:guide>
+      </p15:sldGuideLst>
+    </p:ext>
+    <p:ext uri="{2D200454-40CA-4A62-9FC3-DE9A4176ACB9}">
+      <p15:notesGuideLst xmlns:p15="http://schemas.microsoft.com/office/powerpoint/2012/main">
+        <p15:guide id="1" orient="horz" pos="3127">
+          <p15:clr>
+            <a:srgbClr val="A4A3A4"/>
+          </p15:clr>
+        </p15:guide>
+        <p15:guide id="2" pos="2141">
+          <p15:clr>
+            <a:srgbClr val="A4A3A4"/>
+          </p15:clr>
+        </p15:guide>
+      </p15:notesGuideLst>
+    </p:ext>
+  </p:extLst>
 </p:presentation>
 </file>
 
@@ -226,7 +256,7 @@
             <a:fld id="{E78E1D5F-7523-4815-A670-60864F601D30}" type="datetimeFigureOut">
               <a:rPr lang="en-GB" smtClean="0"/>
               <a:pPr/>
-              <a:t>18/08/15</a:t>
+              <a:t>18/08/2015</a:t>
             </a:fld>
             <a:endParaRPr lang="en-GB"/>
           </a:p>
@@ -393,7 +423,7 @@
             <a:fld id="{376B4F07-E738-4DFD-883D-BE3839CD703B}" type="datetimeFigureOut">
               <a:rPr lang="en-GB" smtClean="0"/>
               <a:pPr/>
-              <a:t>18/08/15</a:t>
+              <a:t>18/08/2015</a:t>
             </a:fld>
             <a:endParaRPr lang="en-GB"/>
           </a:p>
@@ -739,6 +769,11 @@
         </p:txBody>
       </p:sp>
     </p:spTree>
+    <p:extLst>
+      <p:ext uri="{BB962C8B-B14F-4D97-AF65-F5344CB8AC3E}">
+        <p14:creationId xmlns:p14="http://schemas.microsoft.com/office/powerpoint/2010/main" val="3450708185"/>
+      </p:ext>
+    </p:extLst>
   </p:cSld>
   <p:clrMapOvr>
     <a:masterClrMapping/>
@@ -3153,14 +3188,14 @@
           <p:nvPr>
             <p:extLst>
               <p:ext uri="{D42A27DB-BD31-4B8C-83A1-F6EECF244321}">
-                <p14:modId xmlns:p14="http://schemas.microsoft.com/office/powerpoint/2010/main" val="290776782"/>
+                <p14:modId xmlns:p14="http://schemas.microsoft.com/office/powerpoint/2010/main" val="2060255920"/>
               </p:ext>
             </p:extLst>
           </p:nvPr>
         </p:nvGraphicFramePr>
         <p:xfrm>
           <a:off x="1066800" y="9140097"/>
-          <a:ext cx="28194000" cy="35045932"/>
+          <a:ext cx="28194000" cy="35045904"/>
         </p:xfrm>
         <a:graphic>
           <a:graphicData uri="http://schemas.openxmlformats.org/drawingml/2006/table">
@@ -3687,10 +3722,10 @@
                           <a:ea typeface="+mn-ea"/>
                           <a:cs typeface="Arial"/>
                         </a:rPr>
-                        <a:t> and </a:t>
-                      </a:r>
-                      <a:r>
-                        <a:rPr lang="en-GB" sz="2400" b="0" i="0" kern="1200" dirty="0" err="1" smtClean="0">
+                        <a:t> and Mantid so that users can visually drive the data reduction and analysis </a:t>
+                      </a:r>
+                      <a:r>
+                        <a:rPr lang="en-GB" sz="2400" b="0" i="0" kern="1200" dirty="0" smtClean="0">
                           <a:solidFill>
                             <a:schemeClr val="tx1"/>
                           </a:solidFill>
@@ -3699,10 +3734,10 @@
                           <a:ea typeface="+mn-ea"/>
                           <a:cs typeface="Arial"/>
                         </a:rPr>
-                        <a:t>Mantid</a:t>
-                      </a:r>
-                      <a:r>
-                        <a:rPr lang="en-GB" sz="2400" b="0" i="0" kern="1200" dirty="0" smtClean="0">
+                        <a:t>process. </a:t>
+                      </a:r>
+                      <a:r>
+                        <a:rPr lang="en-GB" sz="2400" b="0" i="0" kern="1200" baseline="0" dirty="0" smtClean="0">
                           <a:solidFill>
                             <a:schemeClr val="tx1"/>
                           </a:solidFill>
@@ -3711,10 +3746,10 @@
                           <a:ea typeface="+mn-ea"/>
                           <a:cs typeface="Arial"/>
                         </a:rPr>
-                        <a:t> so that users can visually drive the data reduction and analysis </a:t>
-                      </a:r>
-                      <a:r>
-                        <a:rPr lang="en-GB" sz="2400" b="0" i="0" kern="1200" dirty="0" err="1" smtClean="0">
+                        <a:t>This </a:t>
+                      </a:r>
+                      <a:r>
+                        <a:rPr lang="en-GB" sz="2400" b="0" i="0" kern="1200" baseline="0" dirty="0" smtClean="0">
                           <a:solidFill>
                             <a:schemeClr val="tx1"/>
                           </a:solidFill>
@@ -3723,55 +3758,7 @@
                           <a:ea typeface="+mn-ea"/>
                           <a:cs typeface="Arial"/>
                         </a:rPr>
-                        <a:t>process</a:t>
-                      </a:r>
-                      <a:r>
-                        <a:rPr lang="en-GB" sz="2400" b="0" i="0" kern="1200" baseline="0" dirty="0" err="1" smtClean="0">
-                          <a:solidFill>
-                            <a:schemeClr val="tx1"/>
-                          </a:solidFill>
-                          <a:effectLst/>
-                          <a:latin typeface="+mn-lt"/>
-                          <a:ea typeface="+mn-ea"/>
-                          <a:cs typeface="Arial"/>
-                        </a:rPr>
-                        <a:t>This</a:t>
-                      </a:r>
-                      <a:r>
-                        <a:rPr lang="en-GB" sz="2400" b="0" i="0" kern="1200" baseline="0" dirty="0" smtClean="0">
-                          <a:solidFill>
-                            <a:schemeClr val="tx1"/>
-                          </a:solidFill>
-                          <a:effectLst/>
-                          <a:latin typeface="+mn-lt"/>
-                          <a:ea typeface="+mn-ea"/>
-                          <a:cs typeface="Arial"/>
-                        </a:rPr>
-                        <a:t> has required engineering and innovations on both the </a:t>
-                      </a:r>
-                      <a:r>
-                        <a:rPr lang="en-GB" sz="2400" b="0" i="0" kern="1200" baseline="0" dirty="0" err="1" smtClean="0">
-                          <a:solidFill>
-                            <a:schemeClr val="tx1"/>
-                          </a:solidFill>
-                          <a:effectLst/>
-                          <a:latin typeface="+mn-lt"/>
-                          <a:ea typeface="+mn-ea"/>
-                          <a:cs typeface="Arial"/>
-                        </a:rPr>
-                        <a:t>Mantid</a:t>
-                      </a:r>
-                      <a:r>
-                        <a:rPr lang="en-GB" sz="2400" b="0" i="0" kern="1200" baseline="0" dirty="0" smtClean="0">
-                          <a:solidFill>
-                            <a:schemeClr val="tx1"/>
-                          </a:solidFill>
-                          <a:effectLst/>
-                          <a:latin typeface="+mn-lt"/>
-                          <a:ea typeface="+mn-ea"/>
-                          <a:cs typeface="Arial"/>
-                        </a:rPr>
-                        <a:t> and VTK side of the project.</a:t>
+                        <a:t>has required engineering and innovations on both the Mantid and VTK side of the project.</a:t>
                       </a:r>
                     </a:p>
                     <a:p>
@@ -3851,31 +3838,7 @@
                           <a:ea typeface="+mn-ea"/>
                           <a:cs typeface="+mn-cs"/>
                         </a:rPr>
-                        <a:t> stores it’s data in structures known </a:t>
-                      </a:r>
-                      <a:r>
-                        <a:rPr lang="en-GB" sz="2400" b="0" i="0" kern="1200" dirty="0" smtClean="0">
-                          <a:solidFill>
-                            <a:schemeClr val="tx1"/>
-                          </a:solidFill>
-                          <a:effectLst/>
-                          <a:latin typeface="+mn-lt"/>
-                          <a:ea typeface="+mn-ea"/>
-                          <a:cs typeface="+mn-cs"/>
-                        </a:rPr>
-                        <a:t>as </a:t>
-                      </a:r>
-                      <a:r>
-                        <a:rPr lang="en-GB" sz="2400" b="0" i="0" kern="1200" dirty="0" smtClean="0">
-                          <a:solidFill>
-                            <a:schemeClr val="tx1"/>
-                          </a:solidFill>
-                          <a:effectLst/>
-                          <a:latin typeface="+mn-lt"/>
-                          <a:ea typeface="+mn-ea"/>
-                          <a:cs typeface="+mn-cs"/>
-                        </a:rPr>
-                        <a:t>Workspaces.</a:t>
+                        <a:t> stores it’s data in structures known as Workspaces.</a:t>
                       </a:r>
                       <a:r>
                         <a:rPr lang="en-GB" sz="2400" b="0" i="0" kern="1200" baseline="0" dirty="0" smtClean="0">
@@ -3984,31 +3947,7 @@
                           <a:ea typeface="+mn-ea"/>
                           <a:cs typeface="+mn-cs"/>
                         </a:rPr>
-                        <a:t>, which we do as part of many of our visualisation tools. Dense regions of the adaptive structure are easy to find, and indicate the presence of features, we therefore use them in algorithms. The dynamic </a:t>
-                      </a:r>
-                      <a:r>
-                        <a:rPr lang="en-GB" sz="2400" b="0" i="0" kern="1200" baseline="0" dirty="0" smtClean="0">
-                          <a:solidFill>
-                            <a:schemeClr val="tx1"/>
-                          </a:solidFill>
-                          <a:effectLst/>
-                          <a:latin typeface="+mn-lt"/>
-                          <a:ea typeface="+mn-ea"/>
-                          <a:cs typeface="+mn-cs"/>
-                        </a:rPr>
-                        <a:t>structure also </a:t>
-                      </a:r>
-                      <a:r>
-                        <a:rPr lang="en-GB" sz="2400" b="0" i="0" kern="1200" baseline="0" dirty="0" smtClean="0">
-                          <a:solidFill>
-                            <a:schemeClr val="tx1"/>
-                          </a:solidFill>
-                          <a:effectLst/>
-                          <a:latin typeface="+mn-lt"/>
-                          <a:ea typeface="+mn-ea"/>
-                          <a:cs typeface="+mn-cs"/>
-                        </a:rPr>
-                        <a:t>provides a good first-pass visualization.</a:t>
+                        <a:t>, which we do as part of many of our visualisation tools. Dense regions of the adaptive structure are easy to find, and indicate the presence of features, we therefore use them in algorithms. The dynamic structure also provides a good first-pass visualization.</a:t>
                       </a:r>
                       <a:endParaRPr lang="en-GB" sz="2400" b="0" i="0" kern="1200" dirty="0" smtClean="0">
                         <a:solidFill>
@@ -5636,9 +5575,11 @@
                             <a:srgbClr val="000000"/>
                           </a:solidFill>
                           <a:effectLst/>
-                          <a:latin typeface="Corisande" pitchFamily="2" charset="0"/>
-                        </a:rPr>
-                        <a:t>The quantity of interest is the differential scattering cross section d</a:t>
+                          <a:latin typeface="+mn-lt"/>
+                          <a:ea typeface="+mn-ea"/>
+                          <a:cs typeface="Symbol" charset="2"/>
+                        </a:rPr>
+                        <a:t>The quantity of interest is the differential scattering cross section </a:t>
                       </a:r>
                       <a:r>
                         <a:rPr kumimoji="0" lang="en-US" sz="2400" b="0" i="0" u="none" strike="noStrike" kern="0" cap="none" normalizeH="0" baseline="0" dirty="0" smtClean="0">
@@ -5649,10 +5590,9 @@
                             <a:srgbClr val="000000"/>
                           </a:solidFill>
                           <a:effectLst/>
-                          <a:latin typeface="Symbol" charset="2"/>
-                          <a:cs typeface="Symbol" charset="2"/>
-                        </a:rPr>
-                        <a:t>s</a:t>
+                          <a:latin typeface="Corisande" pitchFamily="2" charset="0"/>
+                        </a:rPr>
+                        <a:t>d</a:t>
                       </a:r>
                       <a:r>
                         <a:rPr kumimoji="0" lang="en-US" sz="2400" b="0" i="0" u="none" strike="noStrike" kern="0" cap="none" normalizeH="0" baseline="0" dirty="0" smtClean="0">
@@ -5663,6 +5603,20 @@
                             <a:srgbClr val="000000"/>
                           </a:solidFill>
                           <a:effectLst/>
+                          <a:latin typeface="Symbol" charset="2"/>
+                          <a:cs typeface="Symbol" charset="2"/>
+                        </a:rPr>
+                        <a:t>s</a:t>
+                      </a:r>
+                      <a:r>
+                        <a:rPr kumimoji="0" lang="en-US" sz="2400" b="0" i="0" u="none" strike="noStrike" kern="0" cap="none" normalizeH="0" baseline="0" dirty="0" smtClean="0">
+                          <a:ln>
+                            <a:noFill/>
+                          </a:ln>
+                          <a:solidFill>
+                            <a:srgbClr val="000000"/>
+                          </a:solidFill>
+                          <a:effectLst/>
                           <a:latin typeface="Corisande" pitchFamily="2" charset="0"/>
                         </a:rPr>
                         <a:t>/</a:t>
@@ -5720,7 +5674,7 @@
                           <a:latin typeface="+mn-lt"/>
                           <a:cs typeface="Symbol" charset="2"/>
                         </a:rPr>
-                        <a:t>not the neutron count. However, eager normalization prevents correct summation of multiple scans.</a:t>
+                        <a:t>not the neutron count. However, eager normalization prevents correct summation of multiple scans</a:t>
                       </a:r>
                       <a:r>
                         <a:rPr kumimoji="0" lang="en-US" sz="2400" b="0" i="0" u="none" strike="noStrike" kern="0" cap="none" normalizeH="0" baseline="0" dirty="0" smtClean="0">
@@ -5731,59 +5685,12 @@
                             <a:srgbClr val="000000"/>
                           </a:solidFill>
                           <a:effectLst/>
-                          <a:latin typeface="Corisande" pitchFamily="2" charset="0"/>
-                        </a:rPr>
-                        <a:t> correctly normalizing and summing data from multiple experimental means tracking and separating the counts separately from the flux and solid angle contributions from each detector. Our solution is to calculate and sum the flux and solid angle contributions to each bin in reciprocal space across all scans, which we designate our normalization workspace. The counts for each run can then be summed and divided by our normalization workspace. The process of generating the normalization workspace can be expensive as we need to calculate the integrated flux between two wave vectors for every trajectory </a:t>
-                      </a:r>
-                      <a:r>
-                        <a:rPr kumimoji="0" lang="en-US" sz="2400" b="0" i="0" u="none" strike="noStrike" kern="0" cap="none" normalizeH="0" baseline="0" smtClean="0">
-                          <a:ln>
-                            <a:noFill/>
-                          </a:ln>
-                          <a:solidFill>
-                            <a:srgbClr val="000000"/>
-                          </a:solidFill>
-                          <a:effectLst/>
-                          <a:latin typeface="Corisande" pitchFamily="2" charset="0"/>
-                        </a:rPr>
-                        <a:t>passing</a:t>
-                      </a:r>
-                      <a:r>
-                        <a:rPr kumimoji="0" lang="en-US" sz="2400" b="0" i="0" u="none" strike="noStrike" kern="0" cap="none" normalizeH="0" baseline="0" dirty="0" smtClean="0">
-                          <a:ln>
-                            <a:noFill/>
-                          </a:ln>
-                          <a:solidFill>
-                            <a:srgbClr val="000000"/>
-                          </a:solidFill>
-                          <a:effectLst/>
-                          <a:latin typeface="Corisande" pitchFamily="2" charset="0"/>
-                        </a:rPr>
-                        <a:t> </a:t>
-                      </a:r>
-                      <a:r>
-                        <a:rPr kumimoji="0" lang="en-US" sz="2400" b="0" i="0" u="none" strike="noStrike" kern="0" cap="none" normalizeH="0" baseline="0" dirty="0" smtClean="0">
-                          <a:ln>
-                            <a:noFill/>
-                          </a:ln>
-                          <a:solidFill>
-                            <a:srgbClr val="000000"/>
-                          </a:solidFill>
-                          <a:effectLst/>
-                          <a:latin typeface="Corisande" pitchFamily="2" charset="0"/>
-                        </a:rPr>
-                        <a:t>through a bin in our reciprocal data space. We have applied optimizations to the algorithms to improve speed and reduce memory. Our computed normalization workspace also acts as a planning tool, and we can use it to design experiments prior to beam time.</a:t>
-                      </a:r>
-                      <a:endParaRPr kumimoji="0" lang="en-US" sz="5000" b="0" i="0" u="none" strike="noStrike" kern="0" cap="none" normalizeH="0" baseline="0" dirty="0" smtClean="0">
-                        <a:ln>
-                          <a:noFill/>
-                        </a:ln>
-                        <a:solidFill>
-                          <a:srgbClr val="002D55"/>
-                        </a:solidFill>
-                        <a:effectLst/>
-                        <a:latin typeface="Corisande" pitchFamily="2" charset="0"/>
-                      </a:endParaRPr>
+                          <a:latin typeface="+mn-lt"/>
+                          <a:ea typeface="+mn-ea"/>
+                          <a:cs typeface="Symbol" charset="2"/>
+                        </a:rPr>
+                        <a:t>. correctly normalizing and summing data from multiple experimental means tracking and separating the counts separately from the flux and solid angle contributions from each detector. Our solution is to calculate and sum the flux and solid angle contributions to each bin in reciprocal space across all scans, which we designate our normalization workspace. The counts for each run can then be summed and divided by our normalization workspace. The process of generating the normalization workspace can be expensive as we need to calculate the integrated flux between two wave vectors for every trajectory passing through a bin in our reciprocal data space. We have applied optimizations to the algorithms to improve speed and reduce memory. Our computed normalization workspace also acts as a planning tool, and we can use it to design experiments prior to beam time.</a:t>
+                      </a:r>
                     </a:p>
                     <a:p>
                       <a:pPr marL="0" marR="0" lvl="0" indent="0" algn="l" defTabSz="4173538" rtl="0" eaLnBrk="1" fontAlgn="base" latinLnBrk="0" hangingPunct="1">
@@ -6187,16 +6094,6 @@
                         </a:rPr>
                         <a:t>Visualization</a:t>
                       </a:r>
-                      <a:endParaRPr kumimoji="0" lang="en-US" sz="5000" b="0" i="0" u="none" strike="noStrike" kern="0" cap="none" normalizeH="0" baseline="0" dirty="0" smtClean="0">
-                        <a:ln>
-                          <a:noFill/>
-                        </a:ln>
-                        <a:solidFill>
-                          <a:srgbClr val="002D55"/>
-                        </a:solidFill>
-                        <a:effectLst/>
-                        <a:latin typeface="Corisande" pitchFamily="2" charset="0"/>
-                      </a:endParaRPr>
                     </a:p>
                     <a:p>
                       <a:pPr marL="0" marR="0" lvl="0" indent="0" algn="l" defTabSz="4173538" rtl="0" eaLnBrk="1" fontAlgn="base" latinLnBrk="0" hangingPunct="1">
@@ -6227,20 +6124,7 @@
                           <a:effectLst/>
                           <a:latin typeface="+mn-lt"/>
                         </a:rPr>
-                        <a:t>Visualization </a:t>
-                      </a:r>
-                      <a:r>
-                        <a:rPr kumimoji="0" lang="en-US" sz="2400" b="0" i="0" u="none" strike="noStrike" kern="0" cap="none" normalizeH="0" baseline="0" dirty="0" smtClean="0">
-                          <a:ln>
-                            <a:noFill/>
-                          </a:ln>
-                          <a:solidFill>
-                            <a:schemeClr val="tx1"/>
-                          </a:solidFill>
-                          <a:effectLst/>
-                          <a:latin typeface="+mn-lt"/>
-                        </a:rPr>
-                        <a:t>in </a:t>
+                        <a:t>Visualization in </a:t>
                       </a:r>
                       <a:r>
                         <a:rPr kumimoji="0" lang="en-US" sz="2400" b="0" i="0" u="none" strike="noStrike" kern="0" cap="none" normalizeH="0" baseline="0" dirty="0" err="1" smtClean="0">
@@ -6431,20 +6315,7 @@
                           <a:effectLst/>
                           <a:latin typeface="+mn-lt"/>
                         </a:rPr>
-                        <a:t>(</a:t>
-                      </a:r>
-                      <a:r>
-                        <a:rPr kumimoji="0" lang="en-US" sz="2400" b="0" i="0" u="none" strike="noStrike" kern="0" cap="none" normalizeH="0" baseline="0" dirty="0" smtClean="0">
-                          <a:ln>
-                            <a:noFill/>
-                          </a:ln>
-                          <a:solidFill>
-                            <a:schemeClr val="tx1"/>
-                          </a:solidFill>
-                          <a:effectLst/>
-                          <a:latin typeface="+mn-lt"/>
-                        </a:rPr>
-                        <a:t>2D) from a region of interest on a 3D/4D dataset. The </a:t>
+                        <a:t>(2D) from a region of interest on a 3D/4D dataset. The </a:t>
                       </a:r>
                       <a:r>
                         <a:rPr kumimoji="0" lang="en-US" sz="2400" b="0" i="0" u="none" strike="noStrike" kern="0" cap="none" normalizeH="0" baseline="0" dirty="0" err="1" smtClean="0">
@@ -8307,7 +8178,7 @@
         </p:blipFill>
         <p:spPr bwMode="auto">
           <a:xfrm>
-            <a:off x="789658" y="38971833"/>
+            <a:off x="917431" y="39259865"/>
             <a:ext cx="4354168" cy="1949117"/>
           </a:xfrm>
           <a:prstGeom prst="rect">
@@ -8437,7 +8308,7 @@
         </p:nvGrpSpPr>
         <p:grpSpPr>
           <a:xfrm>
-            <a:off x="861766" y="30105557"/>
+            <a:off x="895988" y="30446876"/>
             <a:ext cx="9144000" cy="6345996"/>
             <a:chOff x="861766" y="29754809"/>
             <a:chExt cx="9144000" cy="6345996"/>
@@ -8510,8 +8381,8 @@
         </p:nvGrpSpPr>
         <p:grpSpPr>
           <a:xfrm>
-            <a:off x="11374934" y="33787257"/>
-            <a:ext cx="7059538" cy="4822795"/>
+            <a:off x="10726862" y="33394447"/>
+            <a:ext cx="7920880" cy="5071554"/>
             <a:chOff x="10294814" y="36163521"/>
             <a:chExt cx="7059538" cy="4822795"/>
           </a:xfrm>
@@ -8604,7 +8475,7 @@
             <p:nvPr/>
           </p:nvPicPr>
           <p:blipFill>
-            <a:blip r:embed="rId9">
+            <a:blip r:embed="rId9" cstate="print">
               <a:extLst>
                 <a:ext uri="{28A0092B-C50C-407E-A947-70E740481C1C}">
                   <a14:useLocalDpi xmlns:a14="http://schemas.microsoft.com/office/drawing/2010/main" val="0"/>
@@ -8967,7 +8838,7 @@
         </p:nvGrpSpPr>
         <p:grpSpPr>
           <a:xfrm>
-            <a:off x="8134574" y="39259865"/>
+            <a:off x="9877541" y="39395400"/>
             <a:ext cx="19586276" cy="2457543"/>
             <a:chOff x="8134574" y="39259865"/>
             <a:chExt cx="19586276" cy="2457543"/>
@@ -9094,7 +8965,7 @@
   <p:timing>
     <p:tnLst>
       <p:par>
-        <p:cTn xmlns:p14="http://schemas.microsoft.com/office/powerpoint/2010/main" id="1" dur="indefinite" restart="never" nodeType="tmRoot"/>
+        <p:cTn id="1" dur="indefinite" restart="never" nodeType="tmRoot"/>
       </p:par>
     </p:tnLst>
   </p:timing>
@@ -10511,6 +10382,28 @@
 </file>
 
 <file path=customXml/item1.xml><?xml version="1.0" encoding="utf-8"?>
+<p:properties xmlns:p="http://schemas.microsoft.com/office/2006/metadata/properties" xmlns:xsi="http://www.w3.org/2001/XMLSchema-instance">
+  <documentManagement>
+    <PublishingExpirationDate xmlns="http://schemas.microsoft.com/sharepoint/v3" xsi:nil="true"/>
+    <PublishingStartDate xmlns="http://schemas.microsoft.com/sharepoint/v3" xsi:nil="true"/>
+  </documentManagement>
+</p:properties>
+</file>
+
+<file path=customXml/item2.xml><?xml version="1.0" encoding="utf-8"?>
+<LongProperties xmlns="http://schemas.microsoft.com/office/2006/metadata/longProperties"/>
+</file>
+
+<file path=customXml/item3.xml><?xml version="1.0" encoding="utf-8"?>
+<?mso-contentType ?>
+<FormTemplates xmlns="http://schemas.microsoft.com/sharepoint/v3/contenttype/forms">
+  <Display>DocumentLibraryForm</Display>
+  <Edit>DocumentLibraryForm</Edit>
+  <New>DocumentLibraryForm</New>
+</FormTemplates>
+</file>
+
+<file path=customXml/item4.xml><?xml version="1.0" encoding="utf-8"?>
 <ct:contentTypeSchema xmlns:ct="http://schemas.microsoft.com/office/2006/metadata/contentType" xmlns:ma="http://schemas.microsoft.com/office/2006/metadata/properties/metaAttributes" ct:_="" ma:_="" ma:contentTypeName="Document" ma:contentTypeID="0x0101000BFEB35FB51C0F42A9A471BD9DD2DD1B" ma:contentTypeVersion="1" ma:contentTypeDescription="Create a new document." ma:contentTypeScope="" ma:versionID="35a5236f1a4e3acf6a385f2c1bfe2746">
   <xsd:schema xmlns:xsd="http://www.w3.org/2001/XMLSchema" xmlns:xs="http://www.w3.org/2001/XMLSchema" xmlns:p="http://schemas.microsoft.com/office/2006/metadata/properties" xmlns:ns1="http://schemas.microsoft.com/sharepoint/v3" targetNamespace="http://schemas.microsoft.com/office/2006/metadata/properties" ma:root="true" ma:fieldsID="a447206dab0015f8b9f8924535193e8c" ns1:_="">
     <xsd:import namespace="http://schemas.microsoft.com/sharepoint/v3"/>
@@ -10642,29 +10535,32 @@
 </ct:contentTypeSchema>
 </file>
 
-<file path=customXml/item2.xml><?xml version="1.0" encoding="utf-8"?>
-<?mso-contentType ?>
-<FormTemplates xmlns="http://schemas.microsoft.com/sharepoint/v3/contenttype/forms">
-  <Display>DocumentLibraryForm</Display>
-  <Edit>DocumentLibraryForm</Edit>
-  <New>DocumentLibraryForm</New>
-</FormTemplates>
+<file path=customXml/itemProps1.xml><?xml version="1.0" encoding="utf-8"?>
+<ds:datastoreItem xmlns:ds="http://schemas.openxmlformats.org/officeDocument/2006/customXml" ds:itemID="{BBE466B2-E11B-4338-AFEC-553026806900}">
+  <ds:schemaRefs>
+    <ds:schemaRef ds:uri="http://schemas.microsoft.com/office/2006/metadata/properties"/>
+    <ds:schemaRef ds:uri="http://schemas.microsoft.com/sharepoint/v3"/>
+  </ds:schemaRefs>
+</ds:datastoreItem>
 </file>
 
-<file path=customXml/item3.xml><?xml version="1.0" encoding="utf-8"?>
-<LongProperties xmlns="http://schemas.microsoft.com/office/2006/metadata/longProperties"/>
+<file path=customXml/itemProps2.xml><?xml version="1.0" encoding="utf-8"?>
+<ds:datastoreItem xmlns:ds="http://schemas.openxmlformats.org/officeDocument/2006/customXml" ds:itemID="{5593874F-BA98-4A0D-88E6-76DECBDFE515}">
+  <ds:schemaRefs>
+    <ds:schemaRef ds:uri="http://schemas.microsoft.com/office/2006/metadata/longProperties"/>
+  </ds:schemaRefs>
+</ds:datastoreItem>
 </file>
 
-<file path=customXml/item4.xml><?xml version="1.0" encoding="utf-8"?>
-<p:properties xmlns:p="http://schemas.microsoft.com/office/2006/metadata/properties" xmlns:xsi="http://www.w3.org/2001/XMLSchema-instance">
-  <documentManagement>
-    <PublishingExpirationDate xmlns="http://schemas.microsoft.com/sharepoint/v3" xsi:nil="true"/>
-    <PublishingStartDate xmlns="http://schemas.microsoft.com/sharepoint/v3" xsi:nil="true"/>
-  </documentManagement>
-</p:properties>
+<file path=customXml/itemProps3.xml><?xml version="1.0" encoding="utf-8"?>
+<ds:datastoreItem xmlns:ds="http://schemas.openxmlformats.org/officeDocument/2006/customXml" ds:itemID="{BB870582-39B3-4EE1-B4C9-D3C3087CF0F0}">
+  <ds:schemaRefs>
+    <ds:schemaRef ds:uri="http://schemas.microsoft.com/sharepoint/v3/contenttype/forms"/>
+  </ds:schemaRefs>
+</ds:datastoreItem>
 </file>
 
-<file path=customXml/itemProps1.xml><?xml version="1.0" encoding="utf-8"?>
+<file path=customXml/itemProps4.xml><?xml version="1.0" encoding="utf-8"?>
 <ds:datastoreItem xmlns:ds="http://schemas.openxmlformats.org/officeDocument/2006/customXml" ds:itemID="{3B5FA4EA-6C34-4AED-AF36-BD45CB995C14}">
   <ds:schemaRefs>
     <ds:schemaRef ds:uri="http://schemas.microsoft.com/office/2006/metadata/contentType"/>
@@ -10680,29 +10576,4 @@
     <ds:schemaRef ds:uri="http://schemas.microsoft.com/internal/obd"/>
   </ds:schemaRefs>
 </ds:datastoreItem>
-</file>
-
-<file path=customXml/itemProps2.xml><?xml version="1.0" encoding="utf-8"?>
-<ds:datastoreItem xmlns:ds="http://schemas.openxmlformats.org/officeDocument/2006/customXml" ds:itemID="{BB870582-39B3-4EE1-B4C9-D3C3087CF0F0}">
-  <ds:schemaRefs>
-    <ds:schemaRef ds:uri="http://schemas.microsoft.com/sharepoint/v3/contenttype/forms"/>
-  </ds:schemaRefs>
-</ds:datastoreItem>
-</file>
-
-<file path=customXml/itemProps3.xml><?xml version="1.0" encoding="utf-8"?>
-<ds:datastoreItem xmlns:ds="http://schemas.openxmlformats.org/officeDocument/2006/customXml" ds:itemID="{5593874F-BA98-4A0D-88E6-76DECBDFE515}">
-  <ds:schemaRefs>
-    <ds:schemaRef ds:uri="http://schemas.microsoft.com/office/2006/metadata/longProperties"/>
-  </ds:schemaRefs>
-</ds:datastoreItem>
-</file>
-
-<file path=customXml/itemProps4.xml><?xml version="1.0" encoding="utf-8"?>
-<ds:datastoreItem xmlns:ds="http://schemas.openxmlformats.org/officeDocument/2006/customXml" ds:itemID="{BBE466B2-E11B-4338-AFEC-553026806900}">
-  <ds:schemaRefs>
-    <ds:schemaRef ds:uri="http://schemas.microsoft.com/office/2006/metadata/properties"/>
-    <ds:schemaRef ds:uri="http://schemas.microsoft.com/sharepoint/v3"/>
-  </ds:schemaRefs>
-</ds:datastoreItem>
 </file>
--- a/Presentations/ECNS 2015/SCDPoster.pptx
+++ b/Presentations/ECNS 2015/SCDPoster.pptx
@@ -142,7 +142,7 @@
   </p:defaultTextStyle>
   <p:extLst>
     <p:ext uri="{EFAFB233-063F-42B5-8137-9DF3F51BA10A}">
-      <p15:sldGuideLst xmlns:p15="http://schemas.microsoft.com/office/powerpoint/2012/main">
+      <p15:sldGuideLst xmlns:p15="http://schemas.microsoft.com/office/powerpoint/2012/main" xmlns="">
         <p15:guide id="1" orient="horz" pos="13488">
           <p15:clr>
             <a:srgbClr val="A4A3A4"/>
@@ -156,7 +156,7 @@
       </p15:sldGuideLst>
     </p:ext>
     <p:ext uri="{2D200454-40CA-4A62-9FC3-DE9A4176ACB9}">
-      <p15:notesGuideLst xmlns:p15="http://schemas.microsoft.com/office/powerpoint/2012/main">
+      <p15:notesGuideLst xmlns:p15="http://schemas.microsoft.com/office/powerpoint/2012/main" xmlns="">
         <p15:guide id="1" orient="horz" pos="3127">
           <p15:clr>
             <a:srgbClr val="A4A3A4"/>
@@ -256,7 +256,7 @@
             <a:fld id="{E78E1D5F-7523-4815-A670-60864F601D30}" type="datetimeFigureOut">
               <a:rPr lang="en-GB" smtClean="0"/>
               <a:pPr/>
-              <a:t>18/08/2015</a:t>
+              <a:t>18/08/15</a:t>
             </a:fld>
             <a:endParaRPr lang="en-GB"/>
           </a:p>
@@ -423,7 +423,7 @@
             <a:fld id="{376B4F07-E738-4DFD-883D-BE3839CD703B}" type="datetimeFigureOut">
               <a:rPr lang="en-GB" smtClean="0"/>
               <a:pPr/>
-              <a:t>18/08/2015</a:t>
+              <a:t>18/08/15</a:t>
             </a:fld>
             <a:endParaRPr lang="en-GB"/>
           </a:p>
@@ -3188,14 +3188,14 @@
           <p:nvPr>
             <p:extLst>
               <p:ext uri="{D42A27DB-BD31-4B8C-83A1-F6EECF244321}">
-                <p14:modId xmlns:p14="http://schemas.microsoft.com/office/powerpoint/2010/main" val="2060255920"/>
+                <p14:modId xmlns:p14="http://schemas.microsoft.com/office/powerpoint/2010/main" val="1893103062"/>
               </p:ext>
             </p:extLst>
           </p:nvPr>
         </p:nvGraphicFramePr>
         <p:xfrm>
           <a:off x="1066800" y="9140097"/>
-          <a:ext cx="28194000" cy="35045904"/>
+          <a:ext cx="28194000" cy="35777452"/>
         </p:xfrm>
         <a:graphic>
           <a:graphicData uri="http://schemas.openxmlformats.org/drawingml/2006/table">
@@ -3722,10 +3722,10 @@
                           <a:ea typeface="+mn-ea"/>
                           <a:cs typeface="Arial"/>
                         </a:rPr>
-                        <a:t> and Mantid so that users can visually drive the data reduction and analysis </a:t>
-                      </a:r>
-                      <a:r>
-                        <a:rPr lang="en-GB" sz="2400" b="0" i="0" kern="1200" dirty="0" smtClean="0">
+                        <a:t> and Mantid so that users can visually drive the data reduction and analysis process. </a:t>
+                      </a:r>
+                      <a:r>
+                        <a:rPr lang="en-GB" sz="2400" b="0" i="0" kern="1200" baseline="0" dirty="0" smtClean="0">
                           <a:solidFill>
                             <a:schemeClr val="tx1"/>
                           </a:solidFill>
@@ -3734,7 +3734,7 @@
                           <a:ea typeface="+mn-ea"/>
                           <a:cs typeface="Arial"/>
                         </a:rPr>
-                        <a:t>process. </a:t>
+                        <a:t>This has required engineering and innovations on both the Mantid and VTK side of the project</a:t>
                       </a:r>
                       <a:r>
                         <a:rPr lang="en-GB" sz="2400" b="0" i="0" kern="1200" baseline="0" dirty="0" smtClean="0">
@@ -3746,10 +3746,10 @@
                           <a:ea typeface="+mn-ea"/>
                           <a:cs typeface="Arial"/>
                         </a:rPr>
-                        <a:t>This </a:t>
-                      </a:r>
-                      <a:r>
-                        <a:rPr lang="en-GB" sz="2400" b="0" i="0" kern="1200" baseline="0" dirty="0" smtClean="0">
+                        <a:t>. We have been working with </a:t>
+                      </a:r>
+                      <a:r>
+                        <a:rPr lang="en-GB" sz="2400" b="0" i="0" kern="1200" baseline="0" dirty="0" err="1" smtClean="0">
                           <a:solidFill>
                             <a:schemeClr val="tx1"/>
                           </a:solidFill>
@@ -3758,8 +3758,53 @@
                           <a:ea typeface="+mn-ea"/>
                           <a:cs typeface="Arial"/>
                         </a:rPr>
-                        <a:t>has required engineering and innovations on both the Mantid and VTK side of the project.</a:t>
-                      </a:r>
+                        <a:t>Kitware</a:t>
+                      </a:r>
+                      <a:r>
+                        <a:rPr lang="en-GB" sz="2400" b="0" i="0" kern="1200" baseline="0" dirty="0" smtClean="0">
+                          <a:solidFill>
+                            <a:schemeClr val="tx1"/>
+                          </a:solidFill>
+                          <a:effectLst/>
+                          <a:latin typeface="+mn-lt"/>
+                          <a:ea typeface="+mn-ea"/>
+                          <a:cs typeface="Arial"/>
+                        </a:rPr>
+                        <a:t>, the developers of </a:t>
+                      </a:r>
+                      <a:r>
+                        <a:rPr lang="en-GB" sz="2400" b="0" i="0" kern="1200" baseline="0" dirty="0" err="1" smtClean="0">
+                          <a:solidFill>
+                            <a:schemeClr val="tx1"/>
+                          </a:solidFill>
+                          <a:effectLst/>
+                          <a:latin typeface="+mn-lt"/>
+                          <a:ea typeface="+mn-ea"/>
+                          <a:cs typeface="Arial"/>
+                        </a:rPr>
+                        <a:t>ParaView</a:t>
+                      </a:r>
+                      <a:r>
+                        <a:rPr lang="en-GB" sz="2400" b="0" i="0" kern="1200" baseline="0" dirty="0" smtClean="0">
+                          <a:solidFill>
+                            <a:schemeClr val="tx1"/>
+                          </a:solidFill>
+                          <a:effectLst/>
+                          <a:latin typeface="+mn-lt"/>
+                          <a:ea typeface="+mn-ea"/>
+                          <a:cs typeface="Arial"/>
+                        </a:rPr>
+                        <a:t>, to extend the capabilities of their visualization tools.</a:t>
+                      </a:r>
+                      <a:endParaRPr lang="en-GB" sz="2400" b="0" i="0" kern="1200" baseline="0" dirty="0" smtClean="0">
+                        <a:solidFill>
+                          <a:schemeClr val="tx1"/>
+                        </a:solidFill>
+                        <a:effectLst/>
+                        <a:latin typeface="+mn-lt"/>
+                        <a:ea typeface="+mn-ea"/>
+                        <a:cs typeface="Arial"/>
+                      </a:endParaRPr>
                     </a:p>
                     <a:p>
                       <a:endParaRPr kumimoji="0" lang="en-GB" sz="2400" b="0" i="0" u="none" strike="noStrike" kern="1200" cap="none" normalizeH="0" baseline="0" dirty="0" smtClean="0">
@@ -6176,8 +6221,31 @@
                           <a:effectLst/>
                           <a:latin typeface="+mn-lt"/>
                         </a:rPr>
-                        <a:t> and can drive the analysis as well as passively observe changes to underlying data.</a:t>
-                      </a:r>
+                        <a:t> and can drive the analysis as well as passively observe changes to underlying data</a:t>
+                      </a:r>
+                      <a:r>
+                        <a:rPr kumimoji="0" lang="en-US" sz="2400" b="0" i="0" u="none" strike="noStrike" kern="0" cap="none" normalizeH="0" baseline="0" dirty="0" smtClean="0">
+                          <a:ln>
+                            <a:noFill/>
+                          </a:ln>
+                          <a:solidFill>
+                            <a:schemeClr val="tx1"/>
+                          </a:solidFill>
+                          <a:effectLst/>
+                          <a:latin typeface="+mn-lt"/>
+                        </a:rPr>
+                        <a:t>.</a:t>
+                      </a:r>
+                      <a:endParaRPr kumimoji="0" lang="en-US" sz="2400" b="0" i="0" u="none" strike="noStrike" kern="0" cap="none" normalizeH="0" baseline="0" dirty="0" smtClean="0">
+                        <a:ln>
+                          <a:noFill/>
+                        </a:ln>
+                        <a:solidFill>
+                          <a:schemeClr val="tx1"/>
+                        </a:solidFill>
+                        <a:effectLst/>
+                        <a:latin typeface="+mn-lt"/>
+                      </a:endParaRPr>
                     </a:p>
                     <a:p>
                       <a:pPr marL="0" marR="0" lvl="0" indent="0" algn="l" defTabSz="4173538" rtl="0" eaLnBrk="1" fontAlgn="base" latinLnBrk="0" hangingPunct="1">
@@ -8161,32 +8229,6 @@
           </a:p>
         </p:txBody>
       </p:sp>
-      <p:pic>
-        <p:nvPicPr>
-          <p:cNvPr id="3088" name="Picture 16" descr="C:\Mantid\Documents\Images\Mantid Logo Transparent Cropped - Large.png"/>
-          <p:cNvPicPr>
-            <a:picLocks noChangeAspect="1" noChangeArrowheads="1"/>
-          </p:cNvPicPr>
-          <p:nvPr/>
-        </p:nvPicPr>
-        <p:blipFill>
-          <a:blip r:embed="rId5" cstate="print"/>
-          <a:srcRect/>
-          <a:stretch>
-            <a:fillRect/>
-          </a:stretch>
-        </p:blipFill>
-        <p:spPr bwMode="auto">
-          <a:xfrm>
-            <a:off x="917431" y="39259865"/>
-            <a:ext cx="4354168" cy="1949117"/>
-          </a:xfrm>
-          <a:prstGeom prst="rect">
-            <a:avLst/>
-          </a:prstGeom>
-          <a:noFill/>
-        </p:spPr>
-      </p:pic>
       <p:grpSp>
         <p:nvGrpSpPr>
           <p:cNvPr id="3084" name="Group 3083"/>
@@ -8278,7 +8320,7 @@
             <p:nvPr/>
           </p:nvPicPr>
           <p:blipFill>
-            <a:blip r:embed="rId6">
+            <a:blip r:embed="rId5">
               <a:extLst>
                 <a:ext uri="{28A0092B-C50C-407E-A947-70E740481C1C}">
                   <a14:useLocalDpi xmlns:a14="http://schemas.microsoft.com/office/drawing/2010/main" val="0"/>
@@ -8308,7 +8350,7 @@
         </p:nvGrpSpPr>
         <p:grpSpPr>
           <a:xfrm>
-            <a:off x="895988" y="30446876"/>
+            <a:off x="861766" y="31410993"/>
             <a:ext cx="9144000" cy="6345996"/>
             <a:chOff x="861766" y="29754809"/>
             <a:chExt cx="9144000" cy="6345996"/>
@@ -8323,7 +8365,7 @@
             <p:nvPr/>
           </p:nvPicPr>
           <p:blipFill>
-            <a:blip r:embed="rId7"/>
+            <a:blip r:embed="rId6"/>
             <a:stretch>
               <a:fillRect/>
             </a:stretch>
@@ -8396,7 +8438,7 @@
             <p:nvPr/>
           </p:nvPicPr>
           <p:blipFill>
-            <a:blip r:embed="rId8"/>
+            <a:blip r:embed="rId7"/>
             <a:stretch>
               <a:fillRect/>
             </a:stretch>
@@ -8475,7 +8517,7 @@
             <p:nvPr/>
           </p:nvPicPr>
           <p:blipFill>
-            <a:blip r:embed="rId9" cstate="print">
+            <a:blip r:embed="rId8" cstate="print">
               <a:extLst>
                 <a:ext uri="{28A0092B-C50C-407E-A947-70E740481C1C}">
                   <a14:useLocalDpi xmlns:a14="http://schemas.microsoft.com/office/drawing/2010/main" val="0"/>
@@ -8505,7 +8547,7 @@
             <p:nvPr/>
           </p:nvPicPr>
           <p:blipFill>
-            <a:blip r:embed="rId10">
+            <a:blip r:embed="rId9">
               <a:extLst>
                 <a:ext uri="{28A0092B-C50C-407E-A947-70E740481C1C}">
                   <a14:useLocalDpi xmlns:a14="http://schemas.microsoft.com/office/drawing/2010/main" val="0"/>
@@ -8671,7 +8713,7 @@
             <p:nvPr/>
           </p:nvPicPr>
           <p:blipFill>
-            <a:blip r:embed="rId11"/>
+            <a:blip r:embed="rId10"/>
             <a:stretch>
               <a:fillRect/>
             </a:stretch>
@@ -8756,7 +8798,7 @@
             <p:nvPr/>
           </p:nvPicPr>
           <p:blipFill>
-            <a:blip r:embed="rId12">
+            <a:blip r:embed="rId11">
               <a:extLst>
                 <a:ext uri="{28A0092B-C50C-407E-A947-70E740481C1C}">
                   <a14:useLocalDpi xmlns:a14="http://schemas.microsoft.com/office/drawing/2010/main" val="0"/>
@@ -8830,133 +8872,152 @@
           </p:txBody>
         </p:sp>
       </p:grpSp>
-      <p:grpSp>
-        <p:nvGrpSpPr>
-          <p:cNvPr id="12" name="Group 11"/>
-          <p:cNvGrpSpPr/>
+      <p:pic>
+        <p:nvPicPr>
+          <p:cNvPr id="3089" name="Picture 17" descr="C:\Mantid\Documents\Images\ISIS Logo - Transparent.gif"/>
+          <p:cNvPicPr>
+            <a:picLocks noChangeAspect="1" noChangeArrowheads="1"/>
+          </p:cNvPicPr>
           <p:nvPr/>
-        </p:nvGrpSpPr>
-        <p:grpSpPr>
+        </p:nvPicPr>
+        <p:blipFill>
+          <a:blip r:embed="rId12" cstate="print"/>
+          <a:srcRect/>
+          <a:stretch>
+            <a:fillRect/>
+          </a:stretch>
+        </p:blipFill>
+        <p:spPr bwMode="auto">
           <a:xfrm>
-            <a:off x="9877541" y="39395400"/>
-            <a:ext cx="19586276" cy="2457543"/>
-            <a:chOff x="8134574" y="39259865"/>
-            <a:chExt cx="19586276" cy="2457543"/>
+            <a:off x="9877541" y="39755440"/>
+            <a:ext cx="4266451" cy="1888429"/>
           </a:xfrm>
-        </p:grpSpPr>
-        <p:pic>
-          <p:nvPicPr>
-            <p:cNvPr id="3089" name="Picture 17" descr="C:\Mantid\Documents\Images\ISIS Logo - Transparent.gif"/>
-            <p:cNvPicPr>
-              <a:picLocks noChangeAspect="1" noChangeArrowheads="1"/>
-            </p:cNvPicPr>
-            <p:nvPr/>
-          </p:nvPicPr>
-          <p:blipFill>
-            <a:blip r:embed="rId13" cstate="print"/>
-            <a:srcRect/>
-            <a:stretch>
-              <a:fillRect/>
-            </a:stretch>
-          </p:blipFill>
-          <p:spPr bwMode="auto">
-            <a:xfrm>
-              <a:off x="8134574" y="39619905"/>
-              <a:ext cx="4266451" cy="1888429"/>
-            </a:xfrm>
-            <a:prstGeom prst="rect">
-              <a:avLst/>
-            </a:prstGeom>
-            <a:noFill/>
-          </p:spPr>
-        </p:pic>
-        <p:pic>
-          <p:nvPicPr>
-            <p:cNvPr id="3090" name="Picture 18" descr="C:\Mantid\Documents\Images\SNS_logo_words_trans_back.gif"/>
-            <p:cNvPicPr>
-              <a:picLocks noChangeAspect="1" noChangeArrowheads="1"/>
-            </p:cNvPicPr>
-            <p:nvPr/>
-          </p:nvPicPr>
-          <p:blipFill>
-            <a:blip r:embed="rId14" cstate="print"/>
-            <a:srcRect/>
-            <a:stretch>
-              <a:fillRect/>
-            </a:stretch>
-          </p:blipFill>
-          <p:spPr bwMode="auto">
-            <a:xfrm>
-              <a:off x="12671078" y="39259865"/>
-              <a:ext cx="3670562" cy="2457543"/>
-            </a:xfrm>
-            <a:prstGeom prst="rect">
-              <a:avLst/>
-            </a:prstGeom>
-            <a:noFill/>
-          </p:spPr>
-        </p:pic>
-        <p:pic>
-          <p:nvPicPr>
-            <p:cNvPr id="4" name="Picture 3" descr="Tessella_Logo.gif"/>
-            <p:cNvPicPr>
-              <a:picLocks noChangeAspect="1"/>
-            </p:cNvPicPr>
-            <p:nvPr/>
-          </p:nvPicPr>
-          <p:blipFill>
-            <a:blip r:embed="rId15">
-              <a:extLst>
-                <a:ext uri="{28A0092B-C50C-407E-A947-70E740481C1C}">
-                  <a14:useLocalDpi xmlns:a14="http://schemas.microsoft.com/office/drawing/2010/main" val="0"/>
-                </a:ext>
-              </a:extLst>
-            </a:blip>
-            <a:stretch>
-              <a:fillRect/>
-            </a:stretch>
-          </p:blipFill>
-          <p:spPr>
-            <a:xfrm>
-              <a:off x="21816094" y="39259865"/>
-              <a:ext cx="5904756" cy="2363985"/>
-            </a:xfrm>
-            <a:prstGeom prst="rect">
-              <a:avLst/>
-            </a:prstGeom>
-          </p:spPr>
-        </p:pic>
-        <p:pic>
-          <p:nvPicPr>
-            <p:cNvPr id="11" name="Picture 10" descr="ess_logo_transparent.png"/>
-            <p:cNvPicPr>
-              <a:picLocks noChangeAspect="1"/>
-            </p:cNvPicPr>
-            <p:nvPr/>
-          </p:nvPicPr>
-          <p:blipFill>
-            <a:blip r:embed="rId16">
-              <a:extLst>
-                <a:ext uri="{28A0092B-C50C-407E-A947-70E740481C1C}">
-                  <a14:useLocalDpi xmlns:a14="http://schemas.microsoft.com/office/drawing/2010/main" val="0"/>
-                </a:ext>
-              </a:extLst>
-            </a:blip>
-            <a:stretch>
-              <a:fillRect/>
-            </a:stretch>
-          </p:blipFill>
-          <p:spPr>
-            <a:xfrm>
-              <a:off x="16901191" y="39259865"/>
-              <a:ext cx="4482855" cy="2382215"/>
-            </a:xfrm>
-            <a:prstGeom prst="rect">
-              <a:avLst/>
-            </a:prstGeom>
-          </p:spPr>
-        </p:pic>
-      </p:grpSp>
+          <a:prstGeom prst="rect">
+            <a:avLst/>
+          </a:prstGeom>
+          <a:noFill/>
+        </p:spPr>
+      </p:pic>
+      <p:pic>
+        <p:nvPicPr>
+          <p:cNvPr id="4" name="Picture 3" descr="Tessella_Logo.gif"/>
+          <p:cNvPicPr>
+            <a:picLocks noChangeAspect="1"/>
+          </p:cNvPicPr>
+          <p:nvPr/>
+        </p:nvPicPr>
+        <p:blipFill>
+          <a:blip r:embed="rId13">
+            <a:extLst>
+              <a:ext uri="{28A0092B-C50C-407E-A947-70E740481C1C}">
+                <a14:useLocalDpi xmlns:a14="http://schemas.microsoft.com/office/drawing/2010/main" val="0"/>
+              </a:ext>
+            </a:extLst>
+          </a:blip>
+          <a:stretch>
+            <a:fillRect/>
+          </a:stretch>
+        </p:blipFill>
+        <p:spPr>
+          <a:xfrm>
+            <a:off x="23559061" y="39395400"/>
+            <a:ext cx="5904756" cy="2363985"/>
+          </a:xfrm>
+          <a:prstGeom prst="rect">
+            <a:avLst/>
+          </a:prstGeom>
+        </p:spPr>
+      </p:pic>
+      <p:pic>
+        <p:nvPicPr>
+          <p:cNvPr id="11" name="Picture 10" descr="ess_logo_transparent.png"/>
+          <p:cNvPicPr>
+            <a:picLocks noChangeAspect="1"/>
+          </p:cNvPicPr>
+          <p:nvPr/>
+        </p:nvPicPr>
+        <p:blipFill>
+          <a:blip r:embed="rId14">
+            <a:extLst>
+              <a:ext uri="{28A0092B-C50C-407E-A947-70E740481C1C}">
+                <a14:useLocalDpi xmlns:a14="http://schemas.microsoft.com/office/drawing/2010/main" val="0"/>
+              </a:ext>
+            </a:extLst>
+          </a:blip>
+          <a:stretch>
+            <a:fillRect/>
+          </a:stretch>
+        </p:blipFill>
+        <p:spPr>
+          <a:xfrm>
+            <a:off x="18644158" y="39395400"/>
+            <a:ext cx="4482855" cy="2382215"/>
+          </a:xfrm>
+          <a:prstGeom prst="rect">
+            <a:avLst/>
+          </a:prstGeom>
+        </p:spPr>
+      </p:pic>
+      <p:pic>
+        <p:nvPicPr>
+          <p:cNvPr id="2" name="Picture 1" descr="Ornl_hfir_sns_logo_vertical.png"/>
+          <p:cNvPicPr>
+            <a:picLocks noChangeAspect="1"/>
+          </p:cNvPicPr>
+          <p:nvPr/>
+        </p:nvPicPr>
+        <p:blipFill>
+          <a:blip r:embed="rId15" cstate="print">
+            <a:extLst>
+              <a:ext uri="{28A0092B-C50C-407E-A947-70E740481C1C}">
+                <a14:useLocalDpi xmlns:a14="http://schemas.microsoft.com/office/drawing/2010/main" val="0"/>
+              </a:ext>
+            </a:extLst>
+          </a:blip>
+          <a:stretch>
+            <a:fillRect/>
+          </a:stretch>
+        </p:blipFill>
+        <p:spPr>
+          <a:xfrm>
+            <a:off x="14399270" y="39619905"/>
+            <a:ext cx="3960440" cy="1957769"/>
+          </a:xfrm>
+          <a:prstGeom prst="rect">
+            <a:avLst/>
+          </a:prstGeom>
+        </p:spPr>
+      </p:pic>
+      <p:pic>
+        <p:nvPicPr>
+          <p:cNvPr id="6" name="Picture 5" descr="Mantid_Logo_with_icon.png"/>
+          <p:cNvPicPr>
+            <a:picLocks noChangeAspect="1"/>
+          </p:cNvPicPr>
+          <p:nvPr/>
+        </p:nvPicPr>
+        <p:blipFill>
+          <a:blip r:embed="rId16">
+            <a:extLst>
+              <a:ext uri="{28A0092B-C50C-407E-A947-70E740481C1C}">
+                <a14:useLocalDpi xmlns:a14="http://schemas.microsoft.com/office/drawing/2010/main" val="0"/>
+              </a:ext>
+            </a:extLst>
+          </a:blip>
+          <a:stretch>
+            <a:fillRect/>
+          </a:stretch>
+        </p:blipFill>
+        <p:spPr>
+          <a:xfrm>
+            <a:off x="861766" y="38899825"/>
+            <a:ext cx="5544616" cy="3085699"/>
+          </a:xfrm>
+          <a:prstGeom prst="rect">
+            <a:avLst/>
+          </a:prstGeom>
+        </p:spPr>
+      </p:pic>
     </p:spTree>
   </p:cSld>
   <p:clrMapOvr>
@@ -8965,7 +9026,7 @@
   <p:timing>
     <p:tnLst>
       <p:par>
-        <p:cTn id="1" dur="indefinite" restart="never" nodeType="tmRoot"/>
+        <p:cTn xmlns:p14="http://schemas.microsoft.com/office/powerpoint/2010/main" id="1" dur="indefinite" restart="never" nodeType="tmRoot"/>
       </p:par>
     </p:tnLst>
   </p:timing>

--- a/Presentations/ECNS 2015/SCDPoster.pptx
+++ b/Presentations/ECNS 2015/SCDPoster.pptx
@@ -3188,14 +3188,14 @@
           <p:nvPr>
             <p:extLst>
               <p:ext uri="{D42A27DB-BD31-4B8C-83A1-F6EECF244321}">
-                <p14:modId xmlns:p14="http://schemas.microsoft.com/office/powerpoint/2010/main" val="1893103062"/>
+                <p14:modId xmlns:p14="http://schemas.microsoft.com/office/powerpoint/2010/main" val="246369576"/>
               </p:ext>
             </p:extLst>
           </p:nvPr>
         </p:nvGraphicFramePr>
         <p:xfrm>
           <a:off x="1066800" y="9140097"/>
-          <a:ext cx="28194000" cy="35777452"/>
+          <a:ext cx="28194000" cy="35045932"/>
         </p:xfrm>
         <a:graphic>
           <a:graphicData uri="http://schemas.openxmlformats.org/drawingml/2006/table">
@@ -3277,7 +3277,31 @@
                           <a:ea typeface="+mn-ea"/>
                           <a:cs typeface="+mn-cs"/>
                         </a:rPr>
-                        <a:t>(TOF) sources, particularly for single crystal diffraction experiments. A full understanding of the materials of interest often requires the complete mapping of data in an n-dimensional manifold. Increasingly, and particularly in single crystal diffraction (SCD), the correct treatment of data as part of data reduction and analysis, for a range of techniques, involves the efficient and flexible processing of large n-dimensional datasets.</a:t>
+                        <a:t>(TOF) sources, particularly for single crystal diffraction </a:t>
+                      </a:r>
+                      <a:r>
+                        <a:rPr lang="en-GB" sz="2400" kern="1200" dirty="0" smtClean="0">
+                          <a:solidFill>
+                            <a:schemeClr val="tx1"/>
+                          </a:solidFill>
+                          <a:effectLst/>
+                          <a:latin typeface="+mn-lt"/>
+                          <a:ea typeface="+mn-ea"/>
+                          <a:cs typeface="+mn-cs"/>
+                        </a:rPr>
+                        <a:t>experiments. </a:t>
+                      </a:r>
+                      <a:r>
+                        <a:rPr lang="en-GB" sz="2400" kern="1200" dirty="0" smtClean="0">
+                          <a:solidFill>
+                            <a:schemeClr val="tx1"/>
+                          </a:solidFill>
+                          <a:effectLst/>
+                          <a:latin typeface="+mn-lt"/>
+                          <a:ea typeface="+mn-ea"/>
+                          <a:cs typeface="+mn-cs"/>
+                        </a:rPr>
+                        <a:t>Increasingly, and particularly in single crystal diffraction (SCD), the correct treatment of data as part of data reduction and analysis, for a range of techniques, involves the efficient and flexible processing of large n-dimensional datasets.</a:t>
                       </a:r>
                     </a:p>
                     <a:p>
@@ -3883,7 +3907,31 @@
                           <a:ea typeface="+mn-ea"/>
                           <a:cs typeface="+mn-cs"/>
                         </a:rPr>
-                        <a:t> stores it’s data in structures known as Workspaces.</a:t>
+                        <a:t> stores </a:t>
+                      </a:r>
+                      <a:r>
+                        <a:rPr lang="en-GB" sz="2400" b="0" i="0" kern="1200" dirty="0" smtClean="0">
+                          <a:solidFill>
+                            <a:schemeClr val="tx1"/>
+                          </a:solidFill>
+                          <a:effectLst/>
+                          <a:latin typeface="+mn-lt"/>
+                          <a:ea typeface="+mn-ea"/>
+                          <a:cs typeface="+mn-cs"/>
+                        </a:rPr>
+                        <a:t>its </a:t>
+                      </a:r>
+                      <a:r>
+                        <a:rPr lang="en-GB" sz="2400" b="0" i="0" kern="1200" dirty="0" smtClean="0">
+                          <a:solidFill>
+                            <a:schemeClr val="tx1"/>
+                          </a:solidFill>
+                          <a:effectLst/>
+                          <a:latin typeface="+mn-lt"/>
+                          <a:ea typeface="+mn-ea"/>
+                          <a:cs typeface="+mn-cs"/>
+                        </a:rPr>
+                        <a:t>data in structures known as Workspaces.</a:t>
                       </a:r>
                       <a:r>
                         <a:rPr lang="en-GB" sz="2400" b="0" i="0" kern="1200" baseline="0" dirty="0" smtClean="0">
@@ -4938,7 +4986,42 @@
                           <a:ea typeface="+mn-ea"/>
                           <a:cs typeface="+mn-cs"/>
                         </a:rPr>
-                        <a:t>A key hurdle is the ability to identify peaks, which we can do automatically. We use a hierarchical, recursive data structure, to store our n-dimensional data, which is particularly effective, as it gives higher resolution in the regions of the Bragg peaks at an overall low memory cost. </a:t>
+                        <a:t>A key hurdle is the ability to identify peaks, which we can do automatically. </a:t>
+                      </a:r>
+                      <a:r>
+                        <a:rPr lang="en-US" sz="2400" b="0" i="0" kern="1200" dirty="0" smtClean="0">
+                          <a:solidFill>
+                            <a:schemeClr val="tx1"/>
+                          </a:solidFill>
+                          <a:latin typeface="+mn-lt"/>
+                          <a:ea typeface="+mn-ea"/>
+                          <a:cs typeface="+mn-cs"/>
+                        </a:rPr>
+                        <a:t>The hierarchical, recursive data structure that we use to store our n-dimensional data is particularly effective</a:t>
+                      </a:r>
+                      <a:r>
+                        <a:rPr lang="en-GB" sz="2400" b="0" i="0" kern="1200" dirty="0" smtClean="0">
+                          <a:solidFill>
+                            <a:schemeClr val="tx1"/>
+                          </a:solidFill>
+                          <a:effectLst/>
+                          <a:latin typeface="+mn-lt"/>
+                          <a:ea typeface="+mn-ea"/>
+                          <a:cs typeface="+mn-cs"/>
+                        </a:rPr>
+                        <a:t>, </a:t>
+                      </a:r>
+                      <a:r>
+                        <a:rPr lang="en-GB" sz="2400" b="0" i="0" kern="1200" dirty="0" smtClean="0">
+                          <a:solidFill>
+                            <a:schemeClr val="tx1"/>
+                          </a:solidFill>
+                          <a:effectLst/>
+                          <a:latin typeface="+mn-lt"/>
+                          <a:ea typeface="+mn-ea"/>
+                          <a:cs typeface="+mn-cs"/>
+                        </a:rPr>
+                        <a:t>as it gives higher resolution in the regions of the Bragg peaks at an overall low memory cost. </a:t>
                       </a:r>
                     </a:p>
                     <a:p>
@@ -5734,7 +5817,37 @@
                           <a:ea typeface="+mn-ea"/>
                           <a:cs typeface="Symbol" charset="2"/>
                         </a:rPr>
-                        <a:t>. correctly normalizing and summing data from multiple experimental means tracking and separating the counts separately from the flux and solid angle contributions from each detector. Our solution is to calculate and sum the flux and solid angle contributions to each bin in reciprocal space across all scans, which we designate our normalization workspace. The counts for each run can then be summed and divided by our normalization workspace. The process of generating the normalization workspace can be expensive as we need to calculate the integrated flux between two wave vectors for every trajectory passing through a bin in our reciprocal data space. We have applied optimizations to the algorithms to improve speed and reduce memory. Our computed normalization workspace also acts as a planning tool, and we can use it to design experiments prior to beam time.</a:t>
+                        <a:t>. </a:t>
+                      </a:r>
+                      <a:r>
+                        <a:rPr kumimoji="0" lang="en-US" sz="2400" b="0" i="0" u="none" strike="noStrike" kern="0" cap="none" normalizeH="0" baseline="0" dirty="0" smtClean="0">
+                          <a:ln>
+                            <a:noFill/>
+                          </a:ln>
+                          <a:solidFill>
+                            <a:srgbClr val="000000"/>
+                          </a:solidFill>
+                          <a:effectLst/>
+                          <a:latin typeface="+mn-lt"/>
+                          <a:ea typeface="+mn-ea"/>
+                          <a:cs typeface="Symbol" charset="2"/>
+                        </a:rPr>
+                        <a:t>Correctly </a:t>
+                      </a:r>
+                      <a:r>
+                        <a:rPr kumimoji="0" lang="en-US" sz="2400" b="0" i="0" u="none" strike="noStrike" kern="0" cap="none" normalizeH="0" baseline="0" dirty="0" smtClean="0">
+                          <a:ln>
+                            <a:noFill/>
+                          </a:ln>
+                          <a:solidFill>
+                            <a:srgbClr val="000000"/>
+                          </a:solidFill>
+                          <a:effectLst/>
+                          <a:latin typeface="+mn-lt"/>
+                          <a:ea typeface="+mn-ea"/>
+                          <a:cs typeface="Symbol" charset="2"/>
+                        </a:rPr>
+                        <a:t>normalizing and summing data from multiple experimental means tracking and separating the counts separately from the flux and solid angle contributions from each detector. Our solution is to calculate and sum the flux and solid angle contributions to each bin in reciprocal space across all scans, which we designate our normalization workspace. The counts for each run can then be summed and divided by our normalization workspace. The process of generating the normalization workspace can be expensive as we need to calculate the integrated flux between two wave vectors for every trajectory passing through a bin in our reciprocal data space. We have applied optimizations to the algorithms to improve speed and reduce memory. Our computed normalization workspace also acts as a planning tool, and we can use it to design experiments prior to beam time.</a:t>
                       </a:r>
                     </a:p>
                     <a:p>
@@ -6954,55 +7067,8 @@
                           <a:ea typeface="+mn-ea"/>
                           <a:cs typeface="Arial"/>
                         </a:rPr>
-                        <a:t> is actively being developed.  Frequent meetings with instrument scientists continue to provide a steady stream of additional requirements and challenges. </a:t>
-                      </a:r>
-                    </a:p>
-                    <a:p>
-                      <a:pPr marL="0" marR="0" lvl="0" indent="0" algn="l" defTabSz="914400" rtl="0" eaLnBrk="1" fontAlgn="auto" latinLnBrk="0" hangingPunct="1">
-                        <a:lnSpc>
-                          <a:spcPct val="100000"/>
-                        </a:lnSpc>
-                        <a:spcBef>
-                          <a:spcPts val="0"/>
-                        </a:spcBef>
-                        <a:spcAft>
-                          <a:spcPts val="0"/>
-                        </a:spcAft>
-                        <a:buClrTx/>
-                        <a:buSzTx/>
-                        <a:buFontTx/>
-                        <a:buNone/>
-                        <a:tabLst/>
-                        <a:defRPr/>
-                      </a:pPr>
-                      <a:endParaRPr lang="en-GB" sz="2400" b="0" i="0" kern="1200" dirty="0" smtClean="0">
-                        <a:solidFill>
-                          <a:schemeClr val="tx1"/>
-                        </a:solidFill>
-                        <a:effectLst/>
-                        <a:latin typeface="+mn-lt"/>
-                        <a:ea typeface="+mn-ea"/>
-                        <a:cs typeface="+mn-cs"/>
-                      </a:endParaRPr>
-                    </a:p>
-                    <a:p>
-                      <a:pPr marL="0" marR="0" lvl="0" indent="0" algn="l" defTabSz="914400" rtl="0" eaLnBrk="1" fontAlgn="auto" latinLnBrk="0" hangingPunct="1">
-                        <a:lnSpc>
-                          <a:spcPct val="100000"/>
-                        </a:lnSpc>
-                        <a:spcBef>
-                          <a:spcPts val="0"/>
-                        </a:spcBef>
-                        <a:spcAft>
-                          <a:spcPts val="0"/>
-                        </a:spcAft>
-                        <a:buClrTx/>
-                        <a:buSzTx/>
-                        <a:buFontTx/>
-                        <a:buNone/>
-                        <a:tabLst/>
-                        <a:defRPr/>
-                      </a:pPr>
+                        <a:t> is actively being developed.  Frequent meetings with instrument scientists continue to provide a steady stream of additional requirements and challenges</a:t>
+                      </a:r>
                       <a:r>
                         <a:rPr lang="en-GB" sz="2400" b="0" i="0" kern="1200" dirty="0" smtClean="0">
                           <a:solidFill>
@@ -7011,89 +7077,12 @@
                           <a:effectLst/>
                           <a:latin typeface="+mn-lt"/>
                           <a:ea typeface="+mn-ea"/>
-                          <a:cs typeface="+mn-cs"/>
-                        </a:rPr>
-                        <a:t>A large number of </a:t>
-                      </a:r>
-                      <a:r>
-                        <a:rPr lang="en-GB" sz="2400" b="0" i="0" kern="1200" dirty="0" err="1" smtClean="0">
-                          <a:solidFill>
-                            <a:schemeClr val="tx1"/>
-                          </a:solidFill>
-                          <a:effectLst/>
-                          <a:latin typeface="+mn-lt"/>
-                          <a:ea typeface="+mn-ea"/>
-                          <a:cs typeface="+mn-cs"/>
-                        </a:rPr>
-                        <a:t>Mantid’s</a:t>
-                      </a:r>
-                      <a:r>
-                        <a:rPr lang="en-GB" sz="2400" b="0" i="0" kern="1200" dirty="0" smtClean="0">
-                          <a:solidFill>
-                            <a:schemeClr val="tx1"/>
-                          </a:solidFill>
-                          <a:effectLst/>
-                          <a:latin typeface="+mn-lt"/>
-                          <a:ea typeface="+mn-ea"/>
-                          <a:cs typeface="+mn-cs"/>
-                        </a:rPr>
-                        <a:t> current SCD</a:t>
-                      </a:r>
-                      <a:r>
-                        <a:rPr lang="en-GB" sz="2400" b="0" i="0" kern="1200" baseline="0" dirty="0" smtClean="0">
-                          <a:solidFill>
-                            <a:schemeClr val="tx1"/>
-                          </a:solidFill>
-                          <a:effectLst/>
-                          <a:latin typeface="+mn-lt"/>
-                          <a:ea typeface="+mn-ea"/>
-                          <a:cs typeface="+mn-cs"/>
-                        </a:rPr>
-                        <a:t> suite is based on computations in reciprocal space. However, </a:t>
-                      </a:r>
-                      <a:r>
-                        <a:rPr lang="en-GB" sz="2400" b="0" i="0" kern="1200" baseline="0" dirty="0" err="1" smtClean="0">
-                          <a:solidFill>
-                            <a:schemeClr val="tx1"/>
-                          </a:solidFill>
-                          <a:effectLst/>
-                          <a:latin typeface="+mn-lt"/>
-                          <a:ea typeface="+mn-ea"/>
-                          <a:cs typeface="+mn-cs"/>
-                        </a:rPr>
-                        <a:t>Mantid</a:t>
-                      </a:r>
-                      <a:r>
-                        <a:rPr lang="en-GB" sz="2400" b="0" i="0" kern="1200" baseline="0" dirty="0" smtClean="0">
-                          <a:solidFill>
-                            <a:schemeClr val="tx1"/>
-                          </a:solidFill>
-                          <a:effectLst/>
-                          <a:latin typeface="+mn-lt"/>
-                          <a:ea typeface="+mn-ea"/>
-                          <a:cs typeface="+mn-cs"/>
-                        </a:rPr>
-                        <a:t> does not inherently assume either dimensionality or units for it’s data. We can therefore easily extend the suite to include other methods. We intended to do so to incorporate other proven peak integration routines.</a:t>
-                      </a:r>
-                    </a:p>
-                    <a:p>
-                      <a:pPr marL="0" marR="0" lvl="0" indent="0" algn="l" defTabSz="914400" rtl="0" eaLnBrk="1" fontAlgn="auto" latinLnBrk="0" hangingPunct="1">
-                        <a:lnSpc>
-                          <a:spcPct val="100000"/>
-                        </a:lnSpc>
-                        <a:spcBef>
-                          <a:spcPts val="0"/>
-                        </a:spcBef>
-                        <a:spcAft>
-                          <a:spcPts val="0"/>
-                        </a:spcAft>
-                        <a:buClrTx/>
-                        <a:buSzTx/>
-                        <a:buFontTx/>
-                        <a:buNone/>
-                        <a:tabLst/>
-                        <a:defRPr/>
-                      </a:pPr>
+                          <a:cs typeface="Arial"/>
+                        </a:rPr>
+                        <a:t>.</a:t>
+                      </a:r>
+                    </a:p>
+                    <a:p>
                       <a:endParaRPr lang="en-GB" sz="2400" b="0" i="0" kern="1200" baseline="0" dirty="0" smtClean="0">
                         <a:solidFill>
                           <a:schemeClr val="tx1"/>
@@ -7105,23 +7094,6 @@
                       </a:endParaRPr>
                     </a:p>
                     <a:p>
-                      <a:pPr marL="0" marR="0" lvl="0" indent="0" algn="l" defTabSz="914400" rtl="0" eaLnBrk="1" fontAlgn="auto" latinLnBrk="0" hangingPunct="1">
-                        <a:lnSpc>
-                          <a:spcPct val="100000"/>
-                        </a:lnSpc>
-                        <a:spcBef>
-                          <a:spcPts val="0"/>
-                        </a:spcBef>
-                        <a:spcAft>
-                          <a:spcPts val="0"/>
-                        </a:spcAft>
-                        <a:buClrTx/>
-                        <a:buSzTx/>
-                        <a:buFontTx/>
-                        <a:buNone/>
-                        <a:tabLst/>
-                        <a:defRPr/>
-                      </a:pPr>
                       <a:r>
                         <a:rPr lang="en-GB" sz="2400" b="0" i="0" kern="1200" baseline="0" dirty="0" smtClean="0">
                           <a:solidFill>
@@ -7132,7 +7104,67 @@
                           <a:ea typeface="+mn-ea"/>
                           <a:cs typeface="+mn-cs"/>
                         </a:rPr>
-                        <a:t>New developments in hardware lead to higher data rates. The introduction of the ESS into the collaboration will yield challenges to our existing methodologies.</a:t>
+                        <a:t>New </a:t>
+                      </a:r>
+                      <a:r>
+                        <a:rPr lang="en-GB" sz="2400" b="0" i="0" kern="1200" baseline="0" dirty="0" smtClean="0">
+                          <a:solidFill>
+                            <a:schemeClr val="tx1"/>
+                          </a:solidFill>
+                          <a:effectLst/>
+                          <a:latin typeface="+mn-lt"/>
+                          <a:ea typeface="+mn-ea"/>
+                          <a:cs typeface="+mn-cs"/>
+                        </a:rPr>
+                        <a:t>developments in hardware </a:t>
+                      </a:r>
+                      <a:r>
+                        <a:rPr lang="en-GB" sz="2400" b="0" i="0" kern="1200" baseline="0" dirty="0" smtClean="0">
+                          <a:solidFill>
+                            <a:schemeClr val="tx1"/>
+                          </a:solidFill>
+                          <a:effectLst/>
+                          <a:latin typeface="+mn-lt"/>
+                          <a:ea typeface="+mn-ea"/>
+                          <a:cs typeface="+mn-cs"/>
+                        </a:rPr>
+                        <a:t>continually lead </a:t>
+                      </a:r>
+                      <a:r>
+                        <a:rPr lang="en-GB" sz="2400" b="0" i="0" kern="1200" baseline="0" dirty="0" smtClean="0">
+                          <a:solidFill>
+                            <a:schemeClr val="tx1"/>
+                          </a:solidFill>
+                          <a:effectLst/>
+                          <a:latin typeface="+mn-lt"/>
+                          <a:ea typeface="+mn-ea"/>
+                          <a:cs typeface="+mn-cs"/>
+                        </a:rPr>
+                        <a:t>to higher data rates. The introduction of the ESS into the collaboration will </a:t>
+                      </a:r>
+                      <a:r>
+                        <a:rPr lang="en-GB" sz="2400" b="0" i="0" kern="1200" baseline="0" dirty="0" smtClean="0">
+                          <a:solidFill>
+                            <a:schemeClr val="tx1"/>
+                          </a:solidFill>
+                          <a:effectLst/>
+                          <a:latin typeface="+mn-lt"/>
+                          <a:ea typeface="+mn-ea"/>
+                          <a:cs typeface="+mn-cs"/>
+                        </a:rPr>
+                        <a:t>push further our </a:t>
+                      </a:r>
+                      <a:r>
+                        <a:rPr lang="en-GB" sz="2400" b="0" i="0" kern="1200" baseline="0" dirty="0" smtClean="0">
+                          <a:solidFill>
+                            <a:schemeClr val="tx1"/>
+                          </a:solidFill>
+                          <a:effectLst/>
+                          <a:latin typeface="+mn-lt"/>
+                          <a:ea typeface="+mn-ea"/>
+                          <a:cs typeface="+mn-cs"/>
+                        </a:rPr>
+                        <a:t>existing methodologies.</a:t>
                       </a:r>
                     </a:p>
                     <a:p>
@@ -7181,55 +7213,107 @@
                         <a:t>[1] </a:t>
                       </a:r>
                       <a:r>
-                        <a:rPr lang="en-GB" sz="1800" u="sng" kern="1200" dirty="0" smtClean="0">
-                          <a:solidFill>
-                            <a:schemeClr val="tx1"/>
-                          </a:solidFill>
-                          <a:effectLst/>
-                          <a:latin typeface="Arial"/>
-                          <a:ea typeface="+mn-ea"/>
-                          <a:cs typeface="Arial"/>
-                          <a:hlinkClick r:id="rId3"/>
-                        </a:rPr>
-                        <a:t>www.mantidroject.org</a:t>
-                      </a:r>
+                        <a:rPr lang="en-US" sz="1800" kern="1200" dirty="0" smtClean="0">
+                          <a:solidFill>
+                            <a:schemeClr val="tx1"/>
+                          </a:solidFill>
+                          <a:latin typeface="+mn-lt"/>
+                          <a:ea typeface="+mn-ea"/>
+                          <a:cs typeface="+mn-cs"/>
+                        </a:rPr>
+                        <a:t>Taylor, J., Arnold, O., </a:t>
+                      </a:r>
+                      <a:r>
+                        <a:rPr lang="en-US" sz="1800" kern="1200" dirty="0" err="1" smtClean="0">
+                          <a:solidFill>
+                            <a:schemeClr val="tx1"/>
+                          </a:solidFill>
+                          <a:latin typeface="+mn-lt"/>
+                          <a:ea typeface="+mn-ea"/>
+                          <a:cs typeface="+mn-cs"/>
+                        </a:rPr>
+                        <a:t>Bilheaux</a:t>
+                      </a:r>
+                      <a:r>
+                        <a:rPr lang="en-US" sz="1800" kern="1200" dirty="0" smtClean="0">
+                          <a:solidFill>
+                            <a:schemeClr val="tx1"/>
+                          </a:solidFill>
+                          <a:latin typeface="+mn-lt"/>
+                          <a:ea typeface="+mn-ea"/>
+                          <a:cs typeface="+mn-cs"/>
+                        </a:rPr>
+                        <a:t>, J., Buts, A., Campbell, S., </a:t>
+                      </a:r>
+                      <a:r>
+                        <a:rPr lang="en-US" sz="1800" kern="1200" dirty="0" err="1" smtClean="0">
+                          <a:solidFill>
+                            <a:schemeClr val="tx1"/>
+                          </a:solidFill>
+                          <a:latin typeface="+mn-lt"/>
+                          <a:ea typeface="+mn-ea"/>
+                          <a:cs typeface="+mn-cs"/>
+                        </a:rPr>
+                        <a:t>Doucet</a:t>
+                      </a:r>
+                      <a:r>
+                        <a:rPr lang="en-US" sz="1800" kern="1200" dirty="0" smtClean="0">
+                          <a:solidFill>
+                            <a:schemeClr val="tx1"/>
+                          </a:solidFill>
+                          <a:latin typeface="+mn-lt"/>
+                          <a:ea typeface="+mn-ea"/>
+                          <a:cs typeface="+mn-cs"/>
+                        </a:rPr>
+                        <a:t>, M., ... &amp; </a:t>
+                      </a:r>
+                      <a:r>
+                        <a:rPr lang="en-US" sz="1800" kern="1200" dirty="0" err="1" smtClean="0">
+                          <a:solidFill>
+                            <a:schemeClr val="tx1"/>
+                          </a:solidFill>
+                          <a:latin typeface="+mn-lt"/>
+                          <a:ea typeface="+mn-ea"/>
+                          <a:cs typeface="+mn-cs"/>
+                        </a:rPr>
+                        <a:t>Zikovsky</a:t>
+                      </a:r>
+                      <a:r>
+                        <a:rPr lang="en-US" sz="1800" kern="1200" dirty="0" smtClean="0">
+                          <a:solidFill>
+                            <a:schemeClr val="tx1"/>
+                          </a:solidFill>
+                          <a:latin typeface="+mn-lt"/>
+                          <a:ea typeface="+mn-ea"/>
+                          <a:cs typeface="+mn-cs"/>
+                        </a:rPr>
+                        <a:t>, J. (2012). </a:t>
+                      </a:r>
+                      <a:r>
+                        <a:rPr lang="en-US" sz="1800" kern="1200" dirty="0" err="1" smtClean="0">
+                          <a:solidFill>
+                            <a:schemeClr val="tx1"/>
+                          </a:solidFill>
+                          <a:latin typeface="+mn-lt"/>
+                          <a:ea typeface="+mn-ea"/>
+                          <a:cs typeface="+mn-cs"/>
+                        </a:rPr>
+                        <a:t>Mantid</a:t>
+                      </a:r>
+                      <a:r>
+                        <a:rPr lang="en-US" sz="1800" kern="1200" dirty="0" smtClean="0">
+                          <a:solidFill>
+                            <a:schemeClr val="tx1"/>
+                          </a:solidFill>
+                          <a:latin typeface="+mn-lt"/>
+                          <a:ea typeface="+mn-ea"/>
+                          <a:cs typeface="+mn-cs"/>
+                        </a:rPr>
+                        <a:t>, A high performance framework for reduction and analysis of neutron scattering data. Bulletin of the American Physical Society, 57.</a:t>
+                      </a:r>
+                    </a:p>
+                    <a:p>
                       <a:endParaRPr lang="en-GB" sz="1800" kern="1200" dirty="0" smtClean="0">
-                        <a:solidFill>
-                          <a:schemeClr val="tx1"/>
-                        </a:solidFill>
-                        <a:effectLst/>
-                        <a:latin typeface="Arial"/>
-                        <a:ea typeface="+mn-ea"/>
-                        <a:cs typeface="Arial"/>
-                      </a:endParaRPr>
-                    </a:p>
-                    <a:p>
-                      <a:r>
-                        <a:rPr lang="en-GB" sz="1800" kern="1200" dirty="0" smtClean="0">
-                          <a:solidFill>
-                            <a:schemeClr val="tx1"/>
-                          </a:solidFill>
-                          <a:effectLst/>
-                          <a:latin typeface="Arial"/>
-                          <a:ea typeface="+mn-ea"/>
-                          <a:cs typeface="Arial"/>
-                        </a:rPr>
-                        <a:t>[2] </a:t>
-                      </a:r>
-                      <a:r>
-                        <a:rPr lang="en-GB" sz="1800" u="sng" kern="1200" dirty="0" smtClean="0">
-                          <a:solidFill>
-                            <a:schemeClr val="tx1"/>
-                          </a:solidFill>
-                          <a:effectLst/>
-                          <a:latin typeface="Arial"/>
-                          <a:ea typeface="+mn-ea"/>
-                          <a:cs typeface="Arial"/>
-                          <a:hlinkClick r:id="rId4"/>
-                        </a:rPr>
-                        <a:t>www.paraview.org</a:t>
-                      </a:r>
-                      <a:endParaRPr lang="en-GB" sz="1800" u="sng" kern="1200" dirty="0" smtClean="0">
                         <a:solidFill>
                           <a:schemeClr val="tx1"/>
                         </a:solidFill>
@@ -7267,7 +7351,172 @@
                           <a:ea typeface="+mn-ea"/>
                           <a:cs typeface="Arial"/>
                         </a:rPr>
-                        <a:t>[3] </a:t>
+                        <a:t>[</a:t>
+                      </a:r>
+                      <a:r>
+                        <a:rPr lang="en-GB" sz="1800" kern="1200" dirty="0" smtClean="0">
+                          <a:solidFill>
+                            <a:schemeClr val="tx1"/>
+                          </a:solidFill>
+                          <a:effectLst/>
+                          <a:latin typeface="Arial"/>
+                          <a:ea typeface="+mn-ea"/>
+                          <a:cs typeface="Arial"/>
+                        </a:rPr>
+                        <a:t>2</a:t>
+                      </a:r>
+                      <a:r>
+                        <a:rPr lang="en-GB" sz="1800" kern="1200" dirty="0" smtClean="0">
+                          <a:solidFill>
+                            <a:schemeClr val="tx1"/>
+                          </a:solidFill>
+                          <a:effectLst/>
+                          <a:latin typeface="Arial"/>
+                          <a:ea typeface="+mn-ea"/>
+                          <a:cs typeface="Arial"/>
+                        </a:rPr>
+                        <a:t>]</a:t>
+                      </a:r>
+                      <a:r>
+                        <a:rPr lang="en-US" sz="1800" kern="1200" dirty="0" smtClean="0">
+                          <a:solidFill>
+                            <a:schemeClr val="tx1"/>
+                          </a:solidFill>
+                          <a:latin typeface="+mn-lt"/>
+                          <a:ea typeface="+mn-ea"/>
+                          <a:cs typeface="+mn-cs"/>
+                        </a:rPr>
+                        <a:t> Ahrens, James, </a:t>
+                      </a:r>
+                      <a:r>
+                        <a:rPr lang="en-US" sz="1800" kern="1200" dirty="0" err="1" smtClean="0">
+                          <a:solidFill>
+                            <a:schemeClr val="tx1"/>
+                          </a:solidFill>
+                          <a:latin typeface="+mn-lt"/>
+                          <a:ea typeface="+mn-ea"/>
+                          <a:cs typeface="+mn-cs"/>
+                        </a:rPr>
+                        <a:t>Geveci</a:t>
+                      </a:r>
+                      <a:r>
+                        <a:rPr lang="en-US" sz="1800" kern="1200" dirty="0" smtClean="0">
+                          <a:solidFill>
+                            <a:schemeClr val="tx1"/>
+                          </a:solidFill>
+                          <a:latin typeface="+mn-lt"/>
+                          <a:ea typeface="+mn-ea"/>
+                          <a:cs typeface="+mn-cs"/>
+                        </a:rPr>
+                        <a:t>, </a:t>
+                      </a:r>
+                      <a:r>
+                        <a:rPr lang="en-US" sz="1800" kern="1200" dirty="0" err="1" smtClean="0">
+                          <a:solidFill>
+                            <a:schemeClr val="tx1"/>
+                          </a:solidFill>
+                          <a:latin typeface="+mn-lt"/>
+                          <a:ea typeface="+mn-ea"/>
+                          <a:cs typeface="+mn-cs"/>
+                        </a:rPr>
+                        <a:t>Berk</a:t>
+                      </a:r>
+                      <a:r>
+                        <a:rPr lang="en-US" sz="1800" kern="1200" dirty="0" smtClean="0">
+                          <a:solidFill>
+                            <a:schemeClr val="tx1"/>
+                          </a:solidFill>
+                          <a:latin typeface="+mn-lt"/>
+                          <a:ea typeface="+mn-ea"/>
+                          <a:cs typeface="+mn-cs"/>
+                        </a:rPr>
+                        <a:t>, Law, Charles, </a:t>
+                      </a:r>
+                      <a:r>
+                        <a:rPr lang="en-US" sz="1800" i="1" kern="1200" dirty="0" err="1" smtClean="0">
+                          <a:solidFill>
+                            <a:schemeClr val="tx1"/>
+                          </a:solidFill>
+                          <a:latin typeface="+mn-lt"/>
+                          <a:ea typeface="+mn-ea"/>
+                          <a:cs typeface="+mn-cs"/>
+                        </a:rPr>
+                        <a:t>ParaView</a:t>
+                      </a:r>
+                      <a:r>
+                        <a:rPr lang="en-US" sz="1800" i="1" kern="1200" dirty="0" smtClean="0">
+                          <a:solidFill>
+                            <a:schemeClr val="tx1"/>
+                          </a:solidFill>
+                          <a:latin typeface="+mn-lt"/>
+                          <a:ea typeface="+mn-ea"/>
+                          <a:cs typeface="+mn-cs"/>
+                        </a:rPr>
+                        <a:t>: An End-User Tool for Large Data Visualization</a:t>
+                      </a:r>
+                      <a:r>
+                        <a:rPr lang="en-US" sz="1800" i="0" kern="1200" dirty="0" smtClean="0">
+                          <a:solidFill>
+                            <a:schemeClr val="tx1"/>
+                          </a:solidFill>
+                          <a:latin typeface="+mn-lt"/>
+                          <a:ea typeface="+mn-ea"/>
+                          <a:cs typeface="+mn-cs"/>
+                        </a:rPr>
+                        <a:t>, Visualization Handbook, Elsevier, 2005, ISBN-13: 978-0123875822</a:t>
+                      </a:r>
+                    </a:p>
+                    <a:p>
+                      <a:pPr marL="0" marR="0" indent="0" algn="l" defTabSz="914400" rtl="0" eaLnBrk="1" fontAlgn="auto" latinLnBrk="0" hangingPunct="1">
+                        <a:lnSpc>
+                          <a:spcPct val="100000"/>
+                        </a:lnSpc>
+                        <a:spcBef>
+                          <a:spcPts val="0"/>
+                        </a:spcBef>
+                        <a:spcAft>
+                          <a:spcPts val="0"/>
+                        </a:spcAft>
+                        <a:buClrTx/>
+                        <a:buSzTx/>
+                        <a:buFontTx/>
+                        <a:buNone/>
+                        <a:tabLst/>
+                        <a:defRPr/>
+                      </a:pPr>
+                      <a:endParaRPr lang="en-US" sz="1800" i="0" kern="1200" dirty="0" smtClean="0">
+                        <a:solidFill>
+                          <a:schemeClr val="tx1"/>
+                        </a:solidFill>
+                        <a:latin typeface="+mn-lt"/>
+                        <a:ea typeface="+mn-ea"/>
+                        <a:cs typeface="+mn-cs"/>
+                      </a:endParaRPr>
+                    </a:p>
+                    <a:p>
+                      <a:r>
+                        <a:rPr lang="en-GB" sz="1800" kern="1200" dirty="0" smtClean="0">
+                          <a:solidFill>
+                            <a:schemeClr val="tx1"/>
+                          </a:solidFill>
+                          <a:effectLst/>
+                          <a:latin typeface="Arial"/>
+                          <a:ea typeface="+mn-ea"/>
+                          <a:cs typeface="Arial"/>
+                        </a:rPr>
+                        <a:t>[</a:t>
+                      </a:r>
+                      <a:r>
+                        <a:rPr lang="en-GB" sz="1800" kern="1200" dirty="0" smtClean="0">
+                          <a:solidFill>
+                            <a:schemeClr val="tx1"/>
+                          </a:solidFill>
+                          <a:effectLst/>
+                          <a:latin typeface="Arial"/>
+                          <a:ea typeface="+mn-ea"/>
+                          <a:cs typeface="Arial"/>
+                        </a:rPr>
+                        <a:t>3] </a:t>
                       </a:r>
                       <a:r>
                         <a:rPr lang="en-US" sz="1800" kern="1200" dirty="0" err="1" smtClean="0">
@@ -8320,7 +8569,7 @@
             <p:nvPr/>
           </p:nvPicPr>
           <p:blipFill>
-            <a:blip r:embed="rId5">
+            <a:blip r:embed="rId3">
               <a:extLst>
                 <a:ext uri="{28A0092B-C50C-407E-A947-70E740481C1C}">
                   <a14:useLocalDpi xmlns:a14="http://schemas.microsoft.com/office/drawing/2010/main" val="0"/>
@@ -8350,7 +8599,7 @@
         </p:nvGrpSpPr>
         <p:grpSpPr>
           <a:xfrm>
-            <a:off x="861766" y="31410993"/>
+            <a:off x="861766" y="30474889"/>
             <a:ext cx="9144000" cy="6345996"/>
             <a:chOff x="861766" y="29754809"/>
             <a:chExt cx="9144000" cy="6345996"/>
@@ -8365,7 +8614,7 @@
             <p:nvPr/>
           </p:nvPicPr>
           <p:blipFill>
-            <a:blip r:embed="rId6"/>
+            <a:blip r:embed="rId4"/>
             <a:stretch>
               <a:fillRect/>
             </a:stretch>
@@ -8438,7 +8687,7 @@
             <p:nvPr/>
           </p:nvPicPr>
           <p:blipFill>
-            <a:blip r:embed="rId7"/>
+            <a:blip r:embed="rId5"/>
             <a:stretch>
               <a:fillRect/>
             </a:stretch>
@@ -8517,7 +8766,7 @@
             <p:nvPr/>
           </p:nvPicPr>
           <p:blipFill>
-            <a:blip r:embed="rId8" cstate="print">
+            <a:blip r:embed="rId6" cstate="print">
               <a:extLst>
                 <a:ext uri="{28A0092B-C50C-407E-A947-70E740481C1C}">
                   <a14:useLocalDpi xmlns:a14="http://schemas.microsoft.com/office/drawing/2010/main" val="0"/>
@@ -8547,7 +8796,7 @@
             <p:nvPr/>
           </p:nvPicPr>
           <p:blipFill>
-            <a:blip r:embed="rId9">
+            <a:blip r:embed="rId7">
               <a:extLst>
                 <a:ext uri="{28A0092B-C50C-407E-A947-70E740481C1C}">
                   <a14:useLocalDpi xmlns:a14="http://schemas.microsoft.com/office/drawing/2010/main" val="0"/>
@@ -8713,7 +8962,7 @@
             <p:nvPr/>
           </p:nvPicPr>
           <p:blipFill>
-            <a:blip r:embed="rId10"/>
+            <a:blip r:embed="rId8"/>
             <a:stretch>
               <a:fillRect/>
             </a:stretch>
@@ -8798,7 +9047,7 @@
             <p:nvPr/>
           </p:nvPicPr>
           <p:blipFill>
-            <a:blip r:embed="rId11">
+            <a:blip r:embed="rId9">
               <a:extLst>
                 <a:ext uri="{28A0092B-C50C-407E-A947-70E740481C1C}">
                   <a14:useLocalDpi xmlns:a14="http://schemas.microsoft.com/office/drawing/2010/main" val="0"/>
@@ -8872,122 +9121,152 @@
           </p:txBody>
         </p:sp>
       </p:grpSp>
-      <p:pic>
-        <p:nvPicPr>
-          <p:cNvPr id="3089" name="Picture 17" descr="C:\Mantid\Documents\Images\ISIS Logo - Transparent.gif"/>
-          <p:cNvPicPr>
-            <a:picLocks noChangeAspect="1" noChangeArrowheads="1"/>
-          </p:cNvPicPr>
+      <p:grpSp>
+        <p:nvGrpSpPr>
+          <p:cNvPr id="15" name="Group 14"/>
+          <p:cNvGrpSpPr/>
           <p:nvPr/>
-        </p:nvPicPr>
-        <p:blipFill>
-          <a:blip r:embed="rId12" cstate="print"/>
-          <a:srcRect/>
-          <a:stretch>
-            <a:fillRect/>
-          </a:stretch>
-        </p:blipFill>
-        <p:spPr bwMode="auto">
+        </p:nvGrpSpPr>
+        <p:grpSpPr>
           <a:xfrm>
-            <a:off x="9877541" y="39755440"/>
-            <a:ext cx="4266451" cy="1888429"/>
+            <a:off x="9877541" y="39187857"/>
+            <a:ext cx="19586276" cy="2382215"/>
+            <a:chOff x="9877541" y="39475889"/>
+            <a:chExt cx="19586276" cy="2382215"/>
           </a:xfrm>
-          <a:prstGeom prst="rect">
-            <a:avLst/>
-          </a:prstGeom>
-          <a:noFill/>
-        </p:spPr>
-      </p:pic>
-      <p:pic>
-        <p:nvPicPr>
-          <p:cNvPr id="4" name="Picture 3" descr="Tessella_Logo.gif"/>
-          <p:cNvPicPr>
-            <a:picLocks noChangeAspect="1"/>
-          </p:cNvPicPr>
-          <p:nvPr/>
-        </p:nvPicPr>
-        <p:blipFill>
-          <a:blip r:embed="rId13">
-            <a:extLst>
-              <a:ext uri="{28A0092B-C50C-407E-A947-70E740481C1C}">
-                <a14:useLocalDpi xmlns:a14="http://schemas.microsoft.com/office/drawing/2010/main" val="0"/>
-              </a:ext>
-            </a:extLst>
-          </a:blip>
-          <a:stretch>
-            <a:fillRect/>
-          </a:stretch>
-        </p:blipFill>
-        <p:spPr>
-          <a:xfrm>
-            <a:off x="23559061" y="39395400"/>
-            <a:ext cx="5904756" cy="2363985"/>
-          </a:xfrm>
-          <a:prstGeom prst="rect">
-            <a:avLst/>
-          </a:prstGeom>
-        </p:spPr>
-      </p:pic>
-      <p:pic>
-        <p:nvPicPr>
-          <p:cNvPr id="11" name="Picture 10" descr="ess_logo_transparent.png"/>
-          <p:cNvPicPr>
-            <a:picLocks noChangeAspect="1"/>
-          </p:cNvPicPr>
-          <p:nvPr/>
-        </p:nvPicPr>
-        <p:blipFill>
-          <a:blip r:embed="rId14">
-            <a:extLst>
-              <a:ext uri="{28A0092B-C50C-407E-A947-70E740481C1C}">
-                <a14:useLocalDpi xmlns:a14="http://schemas.microsoft.com/office/drawing/2010/main" val="0"/>
-              </a:ext>
-            </a:extLst>
-          </a:blip>
-          <a:stretch>
-            <a:fillRect/>
-          </a:stretch>
-        </p:blipFill>
-        <p:spPr>
-          <a:xfrm>
-            <a:off x="18644158" y="39395400"/>
-            <a:ext cx="4482855" cy="2382215"/>
-          </a:xfrm>
-          <a:prstGeom prst="rect">
-            <a:avLst/>
-          </a:prstGeom>
-        </p:spPr>
-      </p:pic>
-      <p:pic>
-        <p:nvPicPr>
-          <p:cNvPr id="2" name="Picture 1" descr="Ornl_hfir_sns_logo_vertical.png"/>
-          <p:cNvPicPr>
-            <a:picLocks noChangeAspect="1"/>
-          </p:cNvPicPr>
-          <p:nvPr/>
-        </p:nvPicPr>
-        <p:blipFill>
-          <a:blip r:embed="rId15" cstate="print">
-            <a:extLst>
-              <a:ext uri="{28A0092B-C50C-407E-A947-70E740481C1C}">
-                <a14:useLocalDpi xmlns:a14="http://schemas.microsoft.com/office/drawing/2010/main" val="0"/>
-              </a:ext>
-            </a:extLst>
-          </a:blip>
-          <a:stretch>
-            <a:fillRect/>
-          </a:stretch>
-        </p:blipFill>
-        <p:spPr>
-          <a:xfrm>
-            <a:off x="14399270" y="39619905"/>
-            <a:ext cx="3960440" cy="1957769"/>
-          </a:xfrm>
-          <a:prstGeom prst="rect">
-            <a:avLst/>
-          </a:prstGeom>
-        </p:spPr>
-      </p:pic>
+        </p:grpSpPr>
+        <p:grpSp>
+          <p:nvGrpSpPr>
+            <p:cNvPr id="14" name="Group 13"/>
+            <p:cNvGrpSpPr/>
+            <p:nvPr/>
+          </p:nvGrpSpPr>
+          <p:grpSpPr>
+            <a:xfrm>
+              <a:off x="9877541" y="39475889"/>
+              <a:ext cx="19586276" cy="2382215"/>
+              <a:chOff x="9877541" y="39469938"/>
+              <a:chExt cx="19586276" cy="2382215"/>
+            </a:xfrm>
+          </p:grpSpPr>
+          <p:pic>
+            <p:nvPicPr>
+              <p:cNvPr id="3089" name="Picture 17" descr="C:\Mantid\Documents\Images\ISIS Logo - Transparent.gif"/>
+              <p:cNvPicPr>
+                <a:picLocks noChangeAspect="1" noChangeArrowheads="1"/>
+              </p:cNvPicPr>
+              <p:nvPr/>
+            </p:nvPicPr>
+            <p:blipFill>
+              <a:blip r:embed="rId10" cstate="print"/>
+              <a:srcRect/>
+              <a:stretch>
+                <a:fillRect/>
+              </a:stretch>
+            </p:blipFill>
+            <p:spPr bwMode="auto">
+              <a:xfrm>
+                <a:off x="9877541" y="39691913"/>
+                <a:ext cx="4266451" cy="1888429"/>
+              </a:xfrm>
+              <a:prstGeom prst="rect">
+                <a:avLst/>
+              </a:prstGeom>
+              <a:noFill/>
+            </p:spPr>
+          </p:pic>
+          <p:pic>
+            <p:nvPicPr>
+              <p:cNvPr id="4" name="Picture 3" descr="Tessella_Logo.gif"/>
+              <p:cNvPicPr>
+                <a:picLocks noChangeAspect="1"/>
+              </p:cNvPicPr>
+              <p:nvPr/>
+            </p:nvPicPr>
+            <p:blipFill>
+              <a:blip r:embed="rId11">
+                <a:extLst>
+                  <a:ext uri="{28A0092B-C50C-407E-A947-70E740481C1C}">
+                    <a14:useLocalDpi xmlns:a14="http://schemas.microsoft.com/office/drawing/2010/main" val="0"/>
+                  </a:ext>
+                </a:extLst>
+              </a:blip>
+              <a:stretch>
+                <a:fillRect/>
+              </a:stretch>
+            </p:blipFill>
+            <p:spPr>
+              <a:xfrm>
+                <a:off x="23559061" y="39469938"/>
+                <a:ext cx="5904756" cy="2363985"/>
+              </a:xfrm>
+              <a:prstGeom prst="rect">
+                <a:avLst/>
+              </a:prstGeom>
+            </p:spPr>
+          </p:pic>
+          <p:pic>
+            <p:nvPicPr>
+              <p:cNvPr id="11" name="Picture 10" descr="ess_logo_transparent.png"/>
+              <p:cNvPicPr>
+                <a:picLocks noChangeAspect="1"/>
+              </p:cNvPicPr>
+              <p:nvPr/>
+            </p:nvPicPr>
+            <p:blipFill>
+              <a:blip r:embed="rId12">
+                <a:extLst>
+                  <a:ext uri="{28A0092B-C50C-407E-A947-70E740481C1C}">
+                    <a14:useLocalDpi xmlns:a14="http://schemas.microsoft.com/office/drawing/2010/main" val="0"/>
+                  </a:ext>
+                </a:extLst>
+              </a:blip>
+              <a:stretch>
+                <a:fillRect/>
+              </a:stretch>
+            </p:blipFill>
+            <p:spPr>
+              <a:xfrm>
+                <a:off x="18644158" y="39469938"/>
+                <a:ext cx="4482855" cy="2382215"/>
+              </a:xfrm>
+              <a:prstGeom prst="rect">
+                <a:avLst/>
+              </a:prstGeom>
+            </p:spPr>
+          </p:pic>
+        </p:grpSp>
+        <p:pic>
+          <p:nvPicPr>
+            <p:cNvPr id="2" name="Picture 1" descr="Ornl_hfir_sns_logo_vertical.png"/>
+            <p:cNvPicPr>
+              <a:picLocks noChangeAspect="1"/>
+            </p:cNvPicPr>
+            <p:nvPr/>
+          </p:nvPicPr>
+          <p:blipFill>
+            <a:blip r:embed="rId13" cstate="print">
+              <a:extLst>
+                <a:ext uri="{28A0092B-C50C-407E-A947-70E740481C1C}">
+                  <a14:useLocalDpi xmlns:a14="http://schemas.microsoft.com/office/drawing/2010/main" val="0"/>
+                </a:ext>
+              </a:extLst>
+            </a:blip>
+            <a:stretch>
+              <a:fillRect/>
+            </a:stretch>
+          </p:blipFill>
+          <p:spPr>
+            <a:xfrm>
+              <a:off x="14399270" y="39619905"/>
+              <a:ext cx="3960440" cy="1957769"/>
+            </a:xfrm>
+            <a:prstGeom prst="rect">
+              <a:avLst/>
+            </a:prstGeom>
+          </p:spPr>
+        </p:pic>
+      </p:grpSp>
       <p:pic>
         <p:nvPicPr>
           <p:cNvPr id="6" name="Picture 5" descr="Mantid_Logo_with_icon.png"/>
@@ -8997,7 +9276,7 @@
           <p:nvPr/>
         </p:nvPicPr>
         <p:blipFill>
-          <a:blip r:embed="rId16">
+          <a:blip r:embed="rId14">
             <a:extLst>
               <a:ext uri="{28A0092B-C50C-407E-A947-70E740481C1C}">
                 <a14:useLocalDpi xmlns:a14="http://schemas.microsoft.com/office/drawing/2010/main" val="0"/>

--- a/Presentations/ECNS 2015/SCDPoster.pptx
+++ b/Presentations/ECNS 2015/SCDPoster.pptx
@@ -142,7 +142,7 @@
   </p:defaultTextStyle>
   <p:extLst>
     <p:ext uri="{EFAFB233-063F-42B5-8137-9DF3F51BA10A}">
-      <p15:sldGuideLst xmlns:p15="http://schemas.microsoft.com/office/powerpoint/2012/main" xmlns="">
+      <p15:sldGuideLst xmlns="" xmlns:p15="http://schemas.microsoft.com/office/powerpoint/2012/main">
         <p15:guide id="1" orient="horz" pos="13488">
           <p15:clr>
             <a:srgbClr val="A4A3A4"/>
@@ -156,7 +156,7 @@
       </p15:sldGuideLst>
     </p:ext>
     <p:ext uri="{2D200454-40CA-4A62-9FC3-DE9A4176ACB9}">
-      <p15:notesGuideLst xmlns:p15="http://schemas.microsoft.com/office/powerpoint/2012/main" xmlns="">
+      <p15:notesGuideLst xmlns="" xmlns:p15="http://schemas.microsoft.com/office/powerpoint/2012/main">
         <p15:guide id="1" orient="horz" pos="3127">
           <p15:clr>
             <a:srgbClr val="A4A3A4"/>
@@ -256,7 +256,7 @@
             <a:fld id="{E78E1D5F-7523-4815-A670-60864F601D30}" type="datetimeFigureOut">
               <a:rPr lang="en-GB" smtClean="0"/>
               <a:pPr/>
-              <a:t>18/08/15</a:t>
+              <a:t>21/08/15</a:t>
             </a:fld>
             <a:endParaRPr lang="en-GB"/>
           </a:p>
@@ -423,7 +423,7 @@
             <a:fld id="{376B4F07-E738-4DFD-883D-BE3839CD703B}" type="datetimeFigureOut">
               <a:rPr lang="en-GB" smtClean="0"/>
               <a:pPr/>
-              <a:t>18/08/15</a:t>
+              <a:t>21/08/15</a:t>
             </a:fld>
             <a:endParaRPr lang="en-GB"/>
           </a:p>
@@ -3277,31 +3277,7 @@
                           <a:ea typeface="+mn-ea"/>
                           <a:cs typeface="+mn-cs"/>
                         </a:rPr>
-                        <a:t>(TOF) sources, particularly for single crystal diffraction </a:t>
-                      </a:r>
-                      <a:r>
-                        <a:rPr lang="en-GB" sz="2400" kern="1200" dirty="0" smtClean="0">
-                          <a:solidFill>
-                            <a:schemeClr val="tx1"/>
-                          </a:solidFill>
-                          <a:effectLst/>
-                          <a:latin typeface="+mn-lt"/>
-                          <a:ea typeface="+mn-ea"/>
-                          <a:cs typeface="+mn-cs"/>
-                        </a:rPr>
-                        <a:t>experiments. </a:t>
-                      </a:r>
-                      <a:r>
-                        <a:rPr lang="en-GB" sz="2400" kern="1200" dirty="0" smtClean="0">
-                          <a:solidFill>
-                            <a:schemeClr val="tx1"/>
-                          </a:solidFill>
-                          <a:effectLst/>
-                          <a:latin typeface="+mn-lt"/>
-                          <a:ea typeface="+mn-ea"/>
-                          <a:cs typeface="+mn-cs"/>
-                        </a:rPr>
-                        <a:t>Increasingly, and particularly in single crystal diffraction (SCD), the correct treatment of data as part of data reduction and analysis, for a range of techniques, involves the efficient and flexible processing of large n-dimensional datasets.</a:t>
+                        <a:t>(TOF) sources, particularly for single crystal diffraction experiments. Increasingly, and particularly in single crystal diffraction (SCD), the correct treatment of data as part of data reduction and analysis, for a range of techniques, involves the efficient and flexible processing of large n-dimensional datasets.</a:t>
                       </a:r>
                     </a:p>
                     <a:p>
@@ -3758,10 +3734,10 @@
                           <a:ea typeface="+mn-ea"/>
                           <a:cs typeface="Arial"/>
                         </a:rPr>
-                        <a:t>This has required engineering and innovations on both the Mantid and VTK side of the project</a:t>
-                      </a:r>
-                      <a:r>
-                        <a:rPr lang="en-GB" sz="2400" b="0" i="0" kern="1200" baseline="0" dirty="0" smtClean="0">
+                        <a:t>This has required engineering and innovations on both the Mantid and VTK side of the project. We have been working with </a:t>
+                      </a:r>
+                      <a:r>
+                        <a:rPr lang="en-GB" sz="2400" b="0" i="0" kern="1200" baseline="0" dirty="0" err="1" smtClean="0">
                           <a:solidFill>
                             <a:schemeClr val="tx1"/>
                           </a:solidFill>
@@ -3770,10 +3746,10 @@
                           <a:ea typeface="+mn-ea"/>
                           <a:cs typeface="Arial"/>
                         </a:rPr>
-                        <a:t>. We have been working with </a:t>
-                      </a:r>
-                      <a:r>
-                        <a:rPr lang="en-GB" sz="2400" b="0" i="0" kern="1200" baseline="0" dirty="0" err="1" smtClean="0">
+                        <a:t>Kitware</a:t>
+                      </a:r>
+                      <a:r>
+                        <a:rPr lang="en-GB" sz="2400" b="0" i="0" kern="1200" baseline="0" dirty="0" smtClean="0">
                           <a:solidFill>
                             <a:schemeClr val="tx1"/>
                           </a:solidFill>
@@ -3782,10 +3758,10 @@
                           <a:ea typeface="+mn-ea"/>
                           <a:cs typeface="Arial"/>
                         </a:rPr>
-                        <a:t>Kitware</a:t>
-                      </a:r>
-                      <a:r>
-                        <a:rPr lang="en-GB" sz="2400" b="0" i="0" kern="1200" baseline="0" dirty="0" smtClean="0">
+                        <a:t>, the developers of </a:t>
+                      </a:r>
+                      <a:r>
+                        <a:rPr lang="en-GB" sz="2400" b="0" i="0" kern="1200" baseline="0" dirty="0" err="1" smtClean="0">
                           <a:solidFill>
                             <a:schemeClr val="tx1"/>
                           </a:solidFill>
@@ -3794,10 +3770,10 @@
                           <a:ea typeface="+mn-ea"/>
                           <a:cs typeface="Arial"/>
                         </a:rPr>
-                        <a:t>, the developers of </a:t>
-                      </a:r>
-                      <a:r>
-                        <a:rPr lang="en-GB" sz="2400" b="0" i="0" kern="1200" baseline="0" dirty="0" err="1" smtClean="0">
+                        <a:t>ParaView</a:t>
+                      </a:r>
+                      <a:r>
+                        <a:rPr lang="en-GB" sz="2400" b="0" i="0" kern="1200" baseline="0" dirty="0" smtClean="0">
                           <a:solidFill>
                             <a:schemeClr val="tx1"/>
                           </a:solidFill>
@@ -3806,29 +3782,8 @@
                           <a:ea typeface="+mn-ea"/>
                           <a:cs typeface="Arial"/>
                         </a:rPr>
-                        <a:t>ParaView</a:t>
-                      </a:r>
-                      <a:r>
-                        <a:rPr lang="en-GB" sz="2400" b="0" i="0" kern="1200" baseline="0" dirty="0" smtClean="0">
-                          <a:solidFill>
-                            <a:schemeClr val="tx1"/>
-                          </a:solidFill>
-                          <a:effectLst/>
-                          <a:latin typeface="+mn-lt"/>
-                          <a:ea typeface="+mn-ea"/>
-                          <a:cs typeface="Arial"/>
-                        </a:rPr>
                         <a:t>, to extend the capabilities of their visualization tools.</a:t>
                       </a:r>
-                      <a:endParaRPr lang="en-GB" sz="2400" b="0" i="0" kern="1200" baseline="0" dirty="0" smtClean="0">
-                        <a:solidFill>
-                          <a:schemeClr val="tx1"/>
-                        </a:solidFill>
-                        <a:effectLst/>
-                        <a:latin typeface="+mn-lt"/>
-                        <a:ea typeface="+mn-ea"/>
-                        <a:cs typeface="Arial"/>
-                      </a:endParaRPr>
                     </a:p>
                     <a:p>
                       <a:endParaRPr kumimoji="0" lang="en-GB" sz="2400" b="0" i="0" u="none" strike="noStrike" kern="1200" cap="none" normalizeH="0" baseline="0" dirty="0" smtClean="0">
@@ -3907,31 +3862,7 @@
                           <a:ea typeface="+mn-ea"/>
                           <a:cs typeface="+mn-cs"/>
                         </a:rPr>
-                        <a:t> stores </a:t>
-                      </a:r>
-                      <a:r>
-                        <a:rPr lang="en-GB" sz="2400" b="0" i="0" kern="1200" dirty="0" smtClean="0">
-                          <a:solidFill>
-                            <a:schemeClr val="tx1"/>
-                          </a:solidFill>
-                          <a:effectLst/>
-                          <a:latin typeface="+mn-lt"/>
-                          <a:ea typeface="+mn-ea"/>
-                          <a:cs typeface="+mn-cs"/>
-                        </a:rPr>
-                        <a:t>its </a:t>
-                      </a:r>
-                      <a:r>
-                        <a:rPr lang="en-GB" sz="2400" b="0" i="0" kern="1200" dirty="0" smtClean="0">
-                          <a:solidFill>
-                            <a:schemeClr val="tx1"/>
-                          </a:solidFill>
-                          <a:effectLst/>
-                          <a:latin typeface="+mn-lt"/>
-                          <a:ea typeface="+mn-ea"/>
-                          <a:cs typeface="+mn-cs"/>
-                        </a:rPr>
-                        <a:t>data in structures known as Workspaces.</a:t>
+                        <a:t> stores its data in structures known as Workspaces.</a:t>
                       </a:r>
                       <a:r>
                         <a:rPr lang="en-GB" sz="2400" b="0" i="0" kern="1200" baseline="0" dirty="0" smtClean="0">
@@ -5009,19 +4940,7 @@
                           <a:ea typeface="+mn-ea"/>
                           <a:cs typeface="+mn-cs"/>
                         </a:rPr>
-                        <a:t>, </a:t>
-                      </a:r>
-                      <a:r>
-                        <a:rPr lang="en-GB" sz="2400" b="0" i="0" kern="1200" dirty="0" smtClean="0">
-                          <a:solidFill>
-                            <a:schemeClr val="tx1"/>
-                          </a:solidFill>
-                          <a:effectLst/>
-                          <a:latin typeface="+mn-lt"/>
-                          <a:ea typeface="+mn-ea"/>
-                          <a:cs typeface="+mn-cs"/>
-                        </a:rPr>
-                        <a:t>as it gives higher resolution in the regions of the Bragg peaks at an overall low memory cost. </a:t>
+                        <a:t>, as it gives higher resolution in the regions of the Bragg peaks at an overall low memory cost. </a:t>
                       </a:r>
                     </a:p>
                     <a:p>
@@ -5817,37 +5736,7 @@
                           <a:ea typeface="+mn-ea"/>
                           <a:cs typeface="Symbol" charset="2"/>
                         </a:rPr>
-                        <a:t>. </a:t>
-                      </a:r>
-                      <a:r>
-                        <a:rPr kumimoji="0" lang="en-US" sz="2400" b="0" i="0" u="none" strike="noStrike" kern="0" cap="none" normalizeH="0" baseline="0" dirty="0" smtClean="0">
-                          <a:ln>
-                            <a:noFill/>
-                          </a:ln>
-                          <a:solidFill>
-                            <a:srgbClr val="000000"/>
-                          </a:solidFill>
-                          <a:effectLst/>
-                          <a:latin typeface="+mn-lt"/>
-                          <a:ea typeface="+mn-ea"/>
-                          <a:cs typeface="Symbol" charset="2"/>
-                        </a:rPr>
-                        <a:t>Correctly </a:t>
-                      </a:r>
-                      <a:r>
-                        <a:rPr kumimoji="0" lang="en-US" sz="2400" b="0" i="0" u="none" strike="noStrike" kern="0" cap="none" normalizeH="0" baseline="0" dirty="0" smtClean="0">
-                          <a:ln>
-                            <a:noFill/>
-                          </a:ln>
-                          <a:solidFill>
-                            <a:srgbClr val="000000"/>
-                          </a:solidFill>
-                          <a:effectLst/>
-                          <a:latin typeface="+mn-lt"/>
-                          <a:ea typeface="+mn-ea"/>
-                          <a:cs typeface="Symbol" charset="2"/>
-                        </a:rPr>
-                        <a:t>normalizing and summing data from multiple experimental means tracking and separating the counts separately from the flux and solid angle contributions from each detector. Our solution is to calculate and sum the flux and solid angle contributions to each bin in reciprocal space across all scans, which we designate our normalization workspace. The counts for each run can then be summed and divided by our normalization workspace. The process of generating the normalization workspace can be expensive as we need to calculate the integrated flux between two wave vectors for every trajectory passing through a bin in our reciprocal data space. We have applied optimizations to the algorithms to improve speed and reduce memory. Our computed normalization workspace also acts as a planning tool, and we can use it to design experiments prior to beam time.</a:t>
+                        <a:t>. Correctly normalizing and summing data from multiple experimental means tracking and separating the counts separately from the flux and solid angle contributions from each detector. Our solution is to calculate and sum the flux and solid angle contributions to each bin in reciprocal space across all scans, which we designate our normalization workspace. The counts for each run can then be summed and divided by our normalization workspace. The process of generating the normalization workspace can be expensive as we need to calculate the integrated flux between two wave vectors for every trajectory passing through a bin in our reciprocal data space. We have applied optimizations to the algorithms to improve speed and reduce memory. Our computed normalization workspace also acts as a planning tool, and we can use it to design experiments prior to beam time.</a:t>
                       </a:r>
                     </a:p>
                     <a:p>
@@ -6334,31 +6223,8 @@
                           <a:effectLst/>
                           <a:latin typeface="+mn-lt"/>
                         </a:rPr>
-                        <a:t> and can drive the analysis as well as passively observe changes to underlying data</a:t>
-                      </a:r>
-                      <a:r>
-                        <a:rPr kumimoji="0" lang="en-US" sz="2400" b="0" i="0" u="none" strike="noStrike" kern="0" cap="none" normalizeH="0" baseline="0" dirty="0" smtClean="0">
-                          <a:ln>
-                            <a:noFill/>
-                          </a:ln>
-                          <a:solidFill>
-                            <a:schemeClr val="tx1"/>
-                          </a:solidFill>
-                          <a:effectLst/>
-                          <a:latin typeface="+mn-lt"/>
-                        </a:rPr>
-                        <a:t>.</a:t>
-                      </a:r>
-                      <a:endParaRPr kumimoji="0" lang="en-US" sz="2400" b="0" i="0" u="none" strike="noStrike" kern="0" cap="none" normalizeH="0" baseline="0" dirty="0" smtClean="0">
-                        <a:ln>
-                          <a:noFill/>
-                        </a:ln>
-                        <a:solidFill>
-                          <a:schemeClr val="tx1"/>
-                        </a:solidFill>
-                        <a:effectLst/>
-                        <a:latin typeface="+mn-lt"/>
-                      </a:endParaRPr>
+                        <a:t> and can drive the analysis as well as passively observe changes to underlying data.</a:t>
+                      </a:r>
                     </a:p>
                     <a:p>
                       <a:pPr marL="0" marR="0" lvl="0" indent="0" algn="l" defTabSz="4173538" rtl="0" eaLnBrk="1" fontAlgn="base" latinLnBrk="0" hangingPunct="1">
@@ -7067,19 +6933,7 @@
                           <a:ea typeface="+mn-ea"/>
                           <a:cs typeface="Arial"/>
                         </a:rPr>
-                        <a:t> is actively being developed.  Frequent meetings with instrument scientists continue to provide a steady stream of additional requirements and challenges</a:t>
-                      </a:r>
-                      <a:r>
-                        <a:rPr lang="en-GB" sz="2400" b="0" i="0" kern="1200" dirty="0" smtClean="0">
-                          <a:solidFill>
-                            <a:schemeClr val="tx1"/>
-                          </a:solidFill>
-                          <a:effectLst/>
-                          <a:latin typeface="+mn-lt"/>
-                          <a:ea typeface="+mn-ea"/>
-                          <a:cs typeface="Arial"/>
-                        </a:rPr>
-                        <a:t>.</a:t>
+                        <a:t> is actively being developed.  Frequent meetings with instrument scientists continue to provide a steady stream of additional requirements and challenges.</a:t>
                       </a:r>
                     </a:p>
                     <a:p>
@@ -7104,67 +6958,7 @@
                           <a:ea typeface="+mn-ea"/>
                           <a:cs typeface="+mn-cs"/>
                         </a:rPr>
-                        <a:t>New </a:t>
-                      </a:r>
-                      <a:r>
-                        <a:rPr lang="en-GB" sz="2400" b="0" i="0" kern="1200" baseline="0" dirty="0" smtClean="0">
-                          <a:solidFill>
-                            <a:schemeClr val="tx1"/>
-                          </a:solidFill>
-                          <a:effectLst/>
-                          <a:latin typeface="+mn-lt"/>
-                          <a:ea typeface="+mn-ea"/>
-                          <a:cs typeface="+mn-cs"/>
-                        </a:rPr>
-                        <a:t>developments in hardware </a:t>
-                      </a:r>
-                      <a:r>
-                        <a:rPr lang="en-GB" sz="2400" b="0" i="0" kern="1200" baseline="0" dirty="0" smtClean="0">
-                          <a:solidFill>
-                            <a:schemeClr val="tx1"/>
-                          </a:solidFill>
-                          <a:effectLst/>
-                          <a:latin typeface="+mn-lt"/>
-                          <a:ea typeface="+mn-ea"/>
-                          <a:cs typeface="+mn-cs"/>
-                        </a:rPr>
-                        <a:t>continually lead </a:t>
-                      </a:r>
-                      <a:r>
-                        <a:rPr lang="en-GB" sz="2400" b="0" i="0" kern="1200" baseline="0" dirty="0" smtClean="0">
-                          <a:solidFill>
-                            <a:schemeClr val="tx1"/>
-                          </a:solidFill>
-                          <a:effectLst/>
-                          <a:latin typeface="+mn-lt"/>
-                          <a:ea typeface="+mn-ea"/>
-                          <a:cs typeface="+mn-cs"/>
-                        </a:rPr>
-                        <a:t>to higher data rates. The introduction of the ESS into the collaboration will </a:t>
-                      </a:r>
-                      <a:r>
-                        <a:rPr lang="en-GB" sz="2400" b="0" i="0" kern="1200" baseline="0" dirty="0" smtClean="0">
-                          <a:solidFill>
-                            <a:schemeClr val="tx1"/>
-                          </a:solidFill>
-                          <a:effectLst/>
-                          <a:latin typeface="+mn-lt"/>
-                          <a:ea typeface="+mn-ea"/>
-                          <a:cs typeface="+mn-cs"/>
-                        </a:rPr>
-                        <a:t>push further our </a:t>
-                      </a:r>
-                      <a:r>
-                        <a:rPr lang="en-GB" sz="2400" b="0" i="0" kern="1200" baseline="0" dirty="0" smtClean="0">
-                          <a:solidFill>
-                            <a:schemeClr val="tx1"/>
-                          </a:solidFill>
-                          <a:effectLst/>
-                          <a:latin typeface="+mn-lt"/>
-                          <a:ea typeface="+mn-ea"/>
-                          <a:cs typeface="+mn-cs"/>
-                        </a:rPr>
-                        <a:t>existing methodologies.</a:t>
+                        <a:t>New developments in hardware continually lead to higher data rates. The introduction of the ESS into the collaboration will push further our existing methodologies.</a:t>
                       </a:r>
                     </a:p>
                     <a:p>
@@ -7351,31 +7145,7 @@
                           <a:ea typeface="+mn-ea"/>
                           <a:cs typeface="Arial"/>
                         </a:rPr>
-                        <a:t>[</a:t>
-                      </a:r>
-                      <a:r>
-                        <a:rPr lang="en-GB" sz="1800" kern="1200" dirty="0" smtClean="0">
-                          <a:solidFill>
-                            <a:schemeClr val="tx1"/>
-                          </a:solidFill>
-                          <a:effectLst/>
-                          <a:latin typeface="Arial"/>
-                          <a:ea typeface="+mn-ea"/>
-                          <a:cs typeface="Arial"/>
-                        </a:rPr>
-                        <a:t>2</a:t>
-                      </a:r>
-                      <a:r>
-                        <a:rPr lang="en-GB" sz="1800" kern="1200" dirty="0" smtClean="0">
-                          <a:solidFill>
-                            <a:schemeClr val="tx1"/>
-                          </a:solidFill>
-                          <a:effectLst/>
-                          <a:latin typeface="Arial"/>
-                          <a:ea typeface="+mn-ea"/>
-                          <a:cs typeface="Arial"/>
-                        </a:rPr>
-                        <a:t>]</a:t>
+                        <a:t>[2]</a:t>
                       </a:r>
                       <a:r>
                         <a:rPr lang="en-US" sz="1800" kern="1200" dirty="0" smtClean="0">
@@ -7504,19 +7274,7 @@
                           <a:ea typeface="+mn-ea"/>
                           <a:cs typeface="Arial"/>
                         </a:rPr>
-                        <a:t>[</a:t>
-                      </a:r>
-                      <a:r>
-                        <a:rPr lang="en-GB" sz="1800" kern="1200" dirty="0" smtClean="0">
-                          <a:solidFill>
-                            <a:schemeClr val="tx1"/>
-                          </a:solidFill>
-                          <a:effectLst/>
-                          <a:latin typeface="Arial"/>
-                          <a:ea typeface="+mn-ea"/>
-                          <a:cs typeface="Arial"/>
-                        </a:rPr>
-                        <a:t>3] </a:t>
+                        <a:t>[3] </a:t>
                       </a:r>
                       <a:r>
                         <a:rPr lang="en-US" sz="1800" kern="1200" dirty="0" err="1" smtClean="0">
@@ -7960,8 +7718,8 @@
         </p:nvSpPr>
         <p:spPr bwMode="auto">
           <a:xfrm>
-            <a:off x="699838" y="6640241"/>
-            <a:ext cx="27813000" cy="2308324"/>
+            <a:off x="717750" y="6424217"/>
+            <a:ext cx="27813000" cy="2677656"/>
           </a:xfrm>
           <a:prstGeom prst="rect">
             <a:avLst/>
@@ -8305,6 +8063,30 @@
               </a:rPr>
               <a:t>, </a:t>
             </a:r>
+            <a:r>
+              <a:rPr lang="en-GB" dirty="0" smtClean="0">
+                <a:solidFill>
+                  <a:srgbClr val="002D55"/>
+                </a:solidFill>
+                <a:latin typeface="+mn-lt"/>
+              </a:rPr>
+              <a:t>Jon Taylor</a:t>
+            </a:r>
+            <a:r>
+              <a:rPr lang="en-GB" baseline="30000" dirty="0" smtClean="0">
+                <a:solidFill>
+                  <a:srgbClr val="002D55"/>
+                </a:solidFill>
+                <a:latin typeface="+mn-lt"/>
+              </a:rPr>
+              <a:t>4</a:t>
+            </a:r>
+            <a:endParaRPr lang="en-GB" baseline="30000" dirty="0" smtClean="0">
+              <a:solidFill>
+                <a:srgbClr val="002D55"/>
+              </a:solidFill>
+              <a:latin typeface="+mn-lt"/>
+            </a:endParaRPr>
           </a:p>
           <a:p>
             <a:pPr algn="ctr"/>
@@ -8345,8 +8127,23 @@
                 </a:solidFill>
                 <a:latin typeface="+mn-lt"/>
               </a:rPr>
-              <a:t>STFC Rutherford Appleton Laboratory, Oxfordshire, UK </a:t>
+              <a:t>STFC Rutherford Appleton Laboratory, Oxfordshire, </a:t>
             </a:r>
+            <a:r>
+              <a:rPr lang="en-GB" dirty="0" smtClean="0">
+                <a:solidFill>
+                  <a:srgbClr val="002D55"/>
+                </a:solidFill>
+                <a:latin typeface="+mn-lt"/>
+              </a:rPr>
+              <a:t>GB</a:t>
+            </a:r>
+            <a:endParaRPr lang="en-GB" dirty="0" smtClean="0">
+              <a:solidFill>
+                <a:srgbClr val="002D55"/>
+              </a:solidFill>
+              <a:latin typeface="+mn-lt"/>
+            </a:endParaRPr>
           </a:p>
           <a:p>
             <a:pPr algn="ctr"/>
@@ -8366,8 +8163,44 @@
                 </a:solidFill>
                 <a:latin typeface="+mn-lt"/>
               </a:rPr>
-              <a:t>Oak Ridge National Laboratory, Oak Ridge, Tennessee, USA</a:t>
+              <a:t>Oak Ridge National Laboratory, Oak Ridge, Tennessee, </a:t>
             </a:r>
+            <a:r>
+              <a:rPr lang="en-GB" dirty="0" smtClean="0">
+                <a:solidFill>
+                  <a:srgbClr val="002D55"/>
+                </a:solidFill>
+                <a:latin typeface="+mn-lt"/>
+              </a:rPr>
+              <a:t>US</a:t>
+            </a:r>
+          </a:p>
+          <a:p>
+            <a:pPr algn="ctr"/>
+            <a:r>
+              <a:rPr lang="en-GB" baseline="30000" dirty="0" smtClean="0">
+                <a:solidFill>
+                  <a:srgbClr val="002D55"/>
+                </a:solidFill>
+                <a:latin typeface="+mn-lt"/>
+              </a:rPr>
+              <a:t>4</a:t>
+            </a:r>
+            <a:r>
+              <a:rPr lang="en-GB" dirty="0" smtClean="0">
+                <a:solidFill>
+                  <a:srgbClr val="002D55"/>
+                </a:solidFill>
+                <a:latin typeface="+mn-lt"/>
+              </a:rPr>
+              <a:t>European Spallation Source, Lund, SE</a:t>
+            </a:r>
+            <a:endParaRPr lang="en-GB" dirty="0" smtClean="0">
+              <a:solidFill>
+                <a:srgbClr val="002D55"/>
+              </a:solidFill>
+              <a:latin typeface="+mn-lt"/>
+            </a:endParaRPr>
           </a:p>
           <a:p>
             <a:pPr algn="ctr"/>

--- a/Presentations/ECNS 2015/SCDPoster.pptx
+++ b/Presentations/ECNS 2015/SCDPoster.pptx
@@ -142,7 +142,7 @@
   </p:defaultTextStyle>
   <p:extLst>
     <p:ext uri="{EFAFB233-063F-42B5-8137-9DF3F51BA10A}">
-      <p15:sldGuideLst xmlns="" xmlns:p15="http://schemas.microsoft.com/office/powerpoint/2012/main">
+      <p15:sldGuideLst xmlns:p15="http://schemas.microsoft.com/office/powerpoint/2012/main" xmlns="">
         <p15:guide id="1" orient="horz" pos="13488">
           <p15:clr>
             <a:srgbClr val="A4A3A4"/>
@@ -156,7 +156,7 @@
       </p15:sldGuideLst>
     </p:ext>
     <p:ext uri="{2D200454-40CA-4A62-9FC3-DE9A4176ACB9}">
-      <p15:notesGuideLst xmlns="" xmlns:p15="http://schemas.microsoft.com/office/powerpoint/2012/main">
+      <p15:notesGuideLst xmlns:p15="http://schemas.microsoft.com/office/powerpoint/2012/main" xmlns="">
         <p15:guide id="1" orient="horz" pos="3127">
           <p15:clr>
             <a:srgbClr val="A4A3A4"/>
@@ -3188,14 +3188,14 @@
           <p:nvPr>
             <p:extLst>
               <p:ext uri="{D42A27DB-BD31-4B8C-83A1-F6EECF244321}">
-                <p14:modId xmlns:p14="http://schemas.microsoft.com/office/powerpoint/2010/main" val="246369576"/>
+                <p14:modId xmlns:p14="http://schemas.microsoft.com/office/powerpoint/2010/main" val="2684109844"/>
               </p:ext>
             </p:extLst>
           </p:nvPr>
         </p:nvGraphicFramePr>
         <p:xfrm>
           <a:off x="1066800" y="9140097"/>
-          <a:ext cx="28194000" cy="35045932"/>
+          <a:ext cx="28194000" cy="36143212"/>
         </p:xfrm>
         <a:graphic>
           <a:graphicData uri="http://schemas.openxmlformats.org/drawingml/2006/table">
@@ -3277,7 +3277,31 @@
                           <a:ea typeface="+mn-ea"/>
                           <a:cs typeface="+mn-cs"/>
                         </a:rPr>
-                        <a:t>(TOF) sources, particularly for single crystal diffraction experiments. Increasingly, and particularly in single crystal diffraction (SCD), the correct treatment of data as part of data reduction and analysis, for a range of techniques, involves the efficient and flexible processing of large n-dimensional datasets.</a:t>
+                        <a:t>(TOF) sources, particularly for single crystal diffraction experiments. Increasingly, and particularly in single crystal diffraction (SCD), the correct treatment of </a:t>
+                      </a:r>
+                      <a:r>
+                        <a:rPr lang="en-GB" sz="2400" kern="1200" dirty="0" smtClean="0">
+                          <a:solidFill>
+                            <a:schemeClr val="tx1"/>
+                          </a:solidFill>
+                          <a:effectLst/>
+                          <a:latin typeface="+mn-lt"/>
+                          <a:ea typeface="+mn-ea"/>
+                          <a:cs typeface="+mn-cs"/>
+                        </a:rPr>
+                        <a:t>data, </a:t>
+                      </a:r>
+                      <a:r>
+                        <a:rPr lang="en-GB" sz="2400" kern="1200" dirty="0" smtClean="0">
+                          <a:solidFill>
+                            <a:schemeClr val="tx1"/>
+                          </a:solidFill>
+                          <a:effectLst/>
+                          <a:latin typeface="+mn-lt"/>
+                          <a:ea typeface="+mn-ea"/>
+                          <a:cs typeface="+mn-cs"/>
+                        </a:rPr>
+                        <a:t>as part of data reduction and analysis, for a range of techniques, involves the efficient and flexible processing of large n-dimensional datasets.</a:t>
                       </a:r>
                     </a:p>
                     <a:p>
@@ -3314,7 +3338,31 @@
                           <a:ea typeface="+mn-ea"/>
                           <a:cs typeface="+mn-cs"/>
                         </a:rPr>
-                        <a:t> at RAL, the SNS at Oakridge, and more recently the ESS in Lund, has focused on the computational aspects of single crystal diffraction data processing.</a:t>
+                        <a:t> at RAL, the SNS at </a:t>
+                      </a:r>
+                      <a:r>
+                        <a:rPr lang="en-GB" sz="2400" kern="1200" baseline="0" dirty="0" smtClean="0">
+                          <a:solidFill>
+                            <a:schemeClr val="tx1"/>
+                          </a:solidFill>
+                          <a:effectLst/>
+                          <a:latin typeface="+mn-lt"/>
+                          <a:ea typeface="+mn-ea"/>
+                          <a:cs typeface="+mn-cs"/>
+                        </a:rPr>
+                        <a:t>Oak Ridge</a:t>
+                      </a:r>
+                      <a:r>
+                        <a:rPr lang="en-GB" sz="2400" kern="1200" baseline="0" dirty="0" smtClean="0">
+                          <a:solidFill>
+                            <a:schemeClr val="tx1"/>
+                          </a:solidFill>
+                          <a:effectLst/>
+                          <a:latin typeface="+mn-lt"/>
+                          <a:ea typeface="+mn-ea"/>
+                          <a:cs typeface="+mn-cs"/>
+                        </a:rPr>
+                        <a:t>, and more recently the ESS in Lund, has focused on the computational aspects of single crystal diffraction data processing.</a:t>
                       </a:r>
                       <a:endParaRPr lang="en-GB" sz="2400" kern="1200" dirty="0" smtClean="0">
                         <a:solidFill>
@@ -3649,7 +3697,55 @@
                           <a:ea typeface="+mn-ea"/>
                           <a:cs typeface="Arial"/>
                         </a:rPr>
-                        <a:t> via the introduction of multidimensional data structures and algorithms. In addition, we utilise </a:t>
+                        <a:t> via the introduction of </a:t>
+                      </a:r>
+                      <a:r>
+                        <a:rPr lang="en-GB" sz="2400" b="0" i="0" kern="1200" dirty="0" smtClean="0">
+                          <a:solidFill>
+                            <a:schemeClr val="tx1"/>
+                          </a:solidFill>
+                          <a:effectLst/>
+                          <a:latin typeface="+mn-lt"/>
+                          <a:ea typeface="+mn-ea"/>
+                          <a:cs typeface="Arial"/>
+                        </a:rPr>
+                        <a:t>n-dimensional</a:t>
+                      </a:r>
+                      <a:r>
+                        <a:rPr lang="en-GB" sz="2400" b="0" i="0" kern="1200" baseline="0" dirty="0" smtClean="0">
+                          <a:solidFill>
+                            <a:schemeClr val="tx1"/>
+                          </a:solidFill>
+                          <a:effectLst/>
+                          <a:latin typeface="+mn-lt"/>
+                          <a:ea typeface="+mn-ea"/>
+                          <a:cs typeface="Arial"/>
+                        </a:rPr>
+                        <a:t> </a:t>
+                      </a:r>
+                      <a:r>
+                        <a:rPr lang="en-GB" sz="2400" b="0" i="0" kern="1200" dirty="0" smtClean="0">
+                          <a:solidFill>
+                            <a:schemeClr val="tx1"/>
+                          </a:solidFill>
+                          <a:effectLst/>
+                          <a:latin typeface="+mn-lt"/>
+                          <a:ea typeface="+mn-ea"/>
+                          <a:cs typeface="Arial"/>
+                        </a:rPr>
+                        <a:t>data </a:t>
+                      </a:r>
+                      <a:r>
+                        <a:rPr lang="en-GB" sz="2400" b="0" i="0" kern="1200" dirty="0" smtClean="0">
+                          <a:solidFill>
+                            <a:schemeClr val="tx1"/>
+                          </a:solidFill>
+                          <a:effectLst/>
+                          <a:latin typeface="+mn-lt"/>
+                          <a:ea typeface="+mn-ea"/>
+                          <a:cs typeface="Arial"/>
+                        </a:rPr>
+                        <a:t>structures and algorithms. In addition, we utilise </a:t>
                       </a:r>
                       <a:r>
                         <a:rPr lang="en-GB" sz="2400" b="0" i="0" kern="1200" dirty="0" err="1" smtClean="0">
@@ -3813,20 +3909,30 @@
                         </a:rPr>
                         <a:t>Data Structures</a:t>
                       </a:r>
-                      <a:endParaRPr kumimoji="0" lang="en-US" sz="2400" b="0" i="0" u="none" strike="noStrike" kern="0" cap="none" normalizeH="0" baseline="0" dirty="0" smtClean="0">
-                        <a:ln>
-                          <a:noFill/>
-                        </a:ln>
+                      <a:endParaRPr lang="en-GB" sz="2400" b="0" i="0" kern="1200" dirty="0" smtClean="0">
                         <a:solidFill>
-                          <a:srgbClr val="002D55"/>
+                          <a:schemeClr val="tx1"/>
                         </a:solidFill>
                         <a:effectLst/>
-                        <a:latin typeface="Arial"/>
-                        <a:cs typeface="Arial"/>
+                        <a:latin typeface="+mn-lt"/>
+                        <a:ea typeface="+mn-ea"/>
+                        <a:cs typeface="+mn-cs"/>
                       </a:endParaRPr>
                     </a:p>
                     <a:p>
                       <a:r>
+                        <a:rPr lang="en-GB" sz="2400" b="0" i="0" kern="1200" dirty="0" err="1" smtClean="0">
+                          <a:solidFill>
+                            <a:schemeClr val="tx1"/>
+                          </a:solidFill>
+                          <a:effectLst/>
+                          <a:latin typeface="+mn-lt"/>
+                          <a:ea typeface="+mn-ea"/>
+                          <a:cs typeface="+mn-cs"/>
+                        </a:rPr>
+                        <a:t>Mantid</a:t>
+                      </a:r>
+                      <a:r>
                         <a:rPr lang="en-GB" sz="2400" b="0" i="0" kern="1200" dirty="0" smtClean="0">
                           <a:solidFill>
                             <a:schemeClr val="tx1"/>
@@ -3836,12 +3942,10 @@
                           <a:ea typeface="+mn-ea"/>
                           <a:cs typeface="+mn-cs"/>
                         </a:rPr>
-                        <a:t> </a:t>
-                      </a:r>
-                    </a:p>
-                    <a:p>
-                      <a:r>
-                        <a:rPr lang="en-GB" sz="2400" b="0" i="0" kern="1200" dirty="0" err="1" smtClean="0">
+                        <a:t> stores its data in structures known as Workspaces.</a:t>
+                      </a:r>
+                      <a:r>
+                        <a:rPr lang="en-GB" sz="2400" b="0" i="0" kern="1200" baseline="0" dirty="0" smtClean="0">
                           <a:solidFill>
                             <a:schemeClr val="tx1"/>
                           </a:solidFill>
@@ -3850,10 +3954,10 @@
                           <a:ea typeface="+mn-ea"/>
                           <a:cs typeface="+mn-cs"/>
                         </a:rPr>
-                        <a:t>Mantid</a:t>
-                      </a:r>
-                      <a:r>
-                        <a:rPr lang="en-GB" sz="2400" b="0" i="0" kern="1200" dirty="0" smtClean="0">
+                        <a:t> Converting from TOF, detector-space to reciprocal space, as well as the need to consider sample environment conditions space has required the introduction of new Workspace types. Two </a:t>
+                      </a:r>
+                      <a:r>
+                        <a:rPr lang="en-GB" sz="2400" b="0" i="0" kern="1200" baseline="0" dirty="0" smtClean="0">
                           <a:solidFill>
                             <a:schemeClr val="tx1"/>
                           </a:solidFill>
@@ -3862,7 +3966,7 @@
                           <a:ea typeface="+mn-ea"/>
                           <a:cs typeface="+mn-cs"/>
                         </a:rPr>
-                        <a:t> stores its data in structures known as Workspaces.</a:t>
+                        <a:t>n-dimensional workspace </a:t>
                       </a:r>
                       <a:r>
                         <a:rPr lang="en-GB" sz="2400" b="0" i="0" kern="1200" baseline="0" dirty="0" smtClean="0">
@@ -3874,7 +3978,7 @@
                           <a:ea typeface="+mn-ea"/>
                           <a:cs typeface="+mn-cs"/>
                         </a:rPr>
-                        <a:t> Converting from TOF, detector-space to reciprocal space, as well as the need to consider sample environment conditions space has required the introduction of new Workspace types. Two multidimensional workspace types have been introduced: A sparse workspace, based on an adaptive box structure, and a dense histogram workspaces based on a set of </a:t>
+                        <a:t>types have been introduced: A sparse workspace, based on an adaptive box structure, and a dense histogram workspaces based on a set of </a:t>
                       </a:r>
                       <a:r>
                         <a:rPr lang="en-GB" sz="2400" b="0" i="0" kern="1200" baseline="0" dirty="0" err="1" smtClean="0">
@@ -3971,7 +4075,89 @@
                           <a:ea typeface="+mn-ea"/>
                           <a:cs typeface="+mn-cs"/>
                         </a:rPr>
-                        <a:t>, which we do as part of many of our visualisation tools. Dense regions of the adaptive structure are easy to find, and indicate the presence of features, we therefore use them in algorithms. The dynamic structure also provides a good first-pass visualization.</a:t>
+                        <a:t>, which we do as part of many of our visualisation tools. Dense regions of the adaptive structure are easy to find, and indicate the presence of features, we therefore use them in algorithms. </a:t>
+                      </a:r>
+                      <a:endParaRPr lang="en-GB" sz="2400" b="0" i="0" kern="1200" baseline="0" dirty="0" smtClean="0">
+                        <a:solidFill>
+                          <a:schemeClr val="tx1"/>
+                        </a:solidFill>
+                        <a:effectLst/>
+                        <a:latin typeface="+mn-lt"/>
+                        <a:ea typeface="+mn-ea"/>
+                        <a:cs typeface="+mn-cs"/>
+                      </a:endParaRPr>
+                    </a:p>
+                    <a:p>
+                      <a:endParaRPr lang="en-GB" sz="2400" b="0" i="0" kern="1200" baseline="0" dirty="0" smtClean="0">
+                        <a:solidFill>
+                          <a:schemeClr val="tx1"/>
+                        </a:solidFill>
+                        <a:effectLst/>
+                        <a:latin typeface="+mn-lt"/>
+                        <a:ea typeface="+mn-ea"/>
+                        <a:cs typeface="+mn-cs"/>
+                      </a:endParaRPr>
+                    </a:p>
+                    <a:p>
+                      <a:r>
+                        <a:rPr lang="en-GB" sz="2400" b="0" i="0" kern="1200" baseline="0" dirty="0" smtClean="0">
+                          <a:solidFill>
+                            <a:schemeClr val="tx1"/>
+                          </a:solidFill>
+                          <a:effectLst/>
+                          <a:latin typeface="+mn-lt"/>
+                          <a:ea typeface="+mn-ea"/>
+                          <a:cs typeface="+mn-cs"/>
+                        </a:rPr>
+                        <a:t>The </a:t>
+                      </a:r>
+                      <a:r>
+                        <a:rPr lang="en-GB" sz="2400" b="0" i="0" kern="1200" baseline="0" dirty="0" smtClean="0">
+                          <a:solidFill>
+                            <a:schemeClr val="tx1"/>
+                          </a:solidFill>
+                          <a:effectLst/>
+                          <a:latin typeface="+mn-lt"/>
+                          <a:ea typeface="+mn-ea"/>
+                          <a:cs typeface="+mn-cs"/>
+                        </a:rPr>
+                        <a:t>dynamic structure also provides a good first-pass visualization</a:t>
+                      </a:r>
+                      <a:r>
+                        <a:rPr lang="en-GB" sz="2400" b="0" i="0" kern="1200" baseline="0" dirty="0" smtClean="0">
+                          <a:solidFill>
+                            <a:schemeClr val="tx1"/>
+                          </a:solidFill>
+                          <a:effectLst/>
+                          <a:latin typeface="+mn-lt"/>
+                          <a:ea typeface="+mn-ea"/>
+                          <a:cs typeface="+mn-cs"/>
+                        </a:rPr>
+                        <a:t>. While accumulated datasets may be 100s of GBs in size, the dynamic box structure, allows </a:t>
+                      </a:r>
+                      <a:r>
+                        <a:rPr lang="en-GB" sz="2400" b="0" i="0" kern="1200" baseline="0" dirty="0" err="1" smtClean="0">
+                          <a:solidFill>
+                            <a:schemeClr val="tx1"/>
+                          </a:solidFill>
+                          <a:effectLst/>
+                          <a:latin typeface="+mn-lt"/>
+                          <a:ea typeface="+mn-ea"/>
+                          <a:cs typeface="+mn-cs"/>
+                        </a:rPr>
+                        <a:t>realtime</a:t>
+                      </a:r>
+                      <a:r>
+                        <a:rPr lang="en-GB" sz="2400" b="0" i="0" kern="1200" baseline="0" dirty="0" smtClean="0">
+                          <a:solidFill>
+                            <a:schemeClr val="tx1"/>
+                          </a:solidFill>
+                          <a:effectLst/>
+                          <a:latin typeface="+mn-lt"/>
+                          <a:ea typeface="+mn-ea"/>
+                          <a:cs typeface="+mn-cs"/>
+                        </a:rPr>
+                        <a:t> interactive visualisation of our data on standard production graphics cards.</a:t>
                       </a:r>
                       <a:endParaRPr lang="en-GB" sz="2400" b="0" i="0" kern="1200" dirty="0" smtClean="0">
                         <a:solidFill>
@@ -5009,7 +5195,31 @@
                           <a:ea typeface="+mn-ea"/>
                           <a:cs typeface="+mn-cs"/>
                         </a:rPr>
-                        <a:t> framework using specialist knowledge from that team.</a:t>
+                        <a:t> framework using specialist knowledge from that team</a:t>
+                      </a:r>
+                      <a:r>
+                        <a:rPr lang="en-GB" sz="2400" b="0" i="0" kern="1200" dirty="0" smtClean="0">
+                          <a:solidFill>
+                            <a:schemeClr val="tx1"/>
+                          </a:solidFill>
+                          <a:effectLst/>
+                          <a:latin typeface="+mn-lt"/>
+                          <a:ea typeface="+mn-ea"/>
+                          <a:cs typeface="+mn-cs"/>
+                        </a:rPr>
+                        <a:t>. </a:t>
+                      </a:r>
+                      <a:r>
+                        <a:rPr lang="en-GB" sz="2400" b="0" i="0" kern="1200" baseline="0" dirty="0" smtClean="0">
+                          <a:solidFill>
+                            <a:schemeClr val="tx1"/>
+                          </a:solidFill>
+                          <a:effectLst/>
+                          <a:latin typeface="+mn-lt"/>
+                          <a:ea typeface="+mn-ea"/>
+                          <a:cs typeface="+mn-cs"/>
+                        </a:rPr>
+                        <a:t>The ability to create, and separate peak lists is important. We often need to predict peaks based based on stronger ones that can easily be located. </a:t>
                       </a:r>
                     </a:p>
                     <a:p>
@@ -5080,7 +5290,19 @@
                           <a:ea typeface="+mn-ea"/>
                           <a:cs typeface="+mn-cs"/>
                         </a:rPr>
-                        <a:t> peak integration. Our initial work in this area started with spherical integration, using fixed radii in Q to sample the peak area as well as a background region for normalization. More recently we have introduced an elliptical integration in Q, which determines a principle and secondary set of axis for each peak by finding corresponding Eigen vectors. Our latest introduction uses an imaging technique, connected component analysis, to integrate arbitrary peak shapes.</a:t>
+                        <a:t> peak integration. Our initial work in this area started with spherical integration, using fixed radii in Q to sample the peak area as well as a background region for normalization. More recently we have introduced an elliptical integration in Q, which determines a principle and secondary set of axis for each peak by finding corresponding Eigen vectors. Our latest introduction uses an imaging technique, connected component analysis, to integrate arbitrary peak shapes</a:t>
+                      </a:r>
+                      <a:r>
+                        <a:rPr lang="en-GB" sz="2400" b="0" i="0" kern="1200" baseline="0" dirty="0" smtClean="0">
+                          <a:solidFill>
+                            <a:schemeClr val="tx1"/>
+                          </a:solidFill>
+                          <a:effectLst/>
+                          <a:latin typeface="+mn-lt"/>
+                          <a:ea typeface="+mn-ea"/>
+                          <a:cs typeface="+mn-cs"/>
+                        </a:rPr>
+                        <a:t>. </a:t>
                       </a:r>
                     </a:p>
                     <a:p>
@@ -5101,6 +5323,46 @@
                         <a:tabLst/>
                         <a:defRPr/>
                       </a:pPr>
+                      <a:endParaRPr lang="en-GB" sz="2400" b="0" i="0" kern="1200" baseline="0" dirty="0" smtClean="0">
+                        <a:solidFill>
+                          <a:schemeClr val="tx1"/>
+                        </a:solidFill>
+                        <a:effectLst/>
+                        <a:latin typeface="+mn-lt"/>
+                        <a:ea typeface="+mn-ea"/>
+                        <a:cs typeface="+mn-cs"/>
+                      </a:endParaRPr>
+                    </a:p>
+                    <a:p>
+                      <a:pPr marL="0" marR="0" lvl="0" indent="0" algn="l" defTabSz="4173538" rtl="0" eaLnBrk="1" fontAlgn="base" latinLnBrk="0" hangingPunct="1">
+                        <a:lnSpc>
+                          <a:spcPct val="100000"/>
+                        </a:lnSpc>
+                        <a:spcBef>
+                          <a:spcPct val="20000"/>
+                        </a:spcBef>
+                        <a:spcAft>
+                          <a:spcPct val="0"/>
+                        </a:spcAft>
+                        <a:buClrTx/>
+                        <a:buSzTx/>
+                        <a:buFontTx/>
+                        <a:buNone/>
+                        <a:tabLst/>
+                        <a:defRPr/>
+                      </a:pPr>
+                      <a:r>
+                        <a:rPr lang="en-GB" sz="2400" b="0" i="0" kern="1200" baseline="0" dirty="0" smtClean="0">
+                          <a:solidFill>
+                            <a:schemeClr val="tx1"/>
+                          </a:solidFill>
+                          <a:effectLst/>
+                          <a:latin typeface="+mn-lt"/>
+                          <a:ea typeface="+mn-ea"/>
+                          <a:cs typeface="+mn-cs"/>
+                        </a:rPr>
+                        <a:t>on an existing UB matrix, or optimise the crystal orientation. In the other direction, UB m</a:t>
+                      </a:r>
                       <a:endParaRPr lang="en-GB" sz="2400" b="0" i="0" kern="1200" dirty="0" smtClean="0">
                         <a:solidFill>
                           <a:schemeClr val="tx1"/>
@@ -5552,6 +5814,19 @@
                         <a:tabLst/>
                         <a:defRPr/>
                       </a:pPr>
+                      <a:r>
+                        <a:rPr kumimoji="0" lang="en-US" sz="5000" b="0" i="0" u="none" strike="noStrike" kern="0" cap="none" normalizeH="0" baseline="0" dirty="0" smtClean="0">
+                          <a:ln>
+                            <a:noFill/>
+                          </a:ln>
+                          <a:solidFill>
+                            <a:srgbClr val="002D55"/>
+                          </a:solidFill>
+                          <a:effectLst/>
+                          <a:latin typeface="Corisande" pitchFamily="2" charset="0"/>
+                        </a:rPr>
+                        <a:t>Normalization</a:t>
+                      </a:r>
                       <a:endParaRPr kumimoji="0" lang="en-US" sz="5000" b="0" i="0" u="none" strike="noStrike" kern="0" cap="none" normalizeH="0" baseline="0" dirty="0" smtClean="0">
                         <a:ln>
                           <a:noFill/>
@@ -5562,38 +5837,6 @@
                         <a:effectLst/>
                         <a:latin typeface="Corisande" pitchFamily="2" charset="0"/>
                       </a:endParaRPr>
-                    </a:p>
-                    <a:p>
-                      <a:pPr marL="0" marR="0" lvl="0" indent="0" algn="l" defTabSz="4173538" rtl="0" eaLnBrk="1" fontAlgn="base" latinLnBrk="0" hangingPunct="1">
-                        <a:lnSpc>
-                          <a:spcPct val="100000"/>
-                        </a:lnSpc>
-                        <a:spcBef>
-                          <a:spcPct val="20000"/>
-                        </a:spcBef>
-                        <a:spcAft>
-                          <a:spcPct val="0"/>
-                        </a:spcAft>
-                        <a:buClrTx/>
-                        <a:buSzTx/>
-                        <a:buFontTx/>
-                        <a:buNone/>
-                        <a:tabLst/>
-                        <a:defRPr/>
-                      </a:pPr>
-                      <a:r>
-                        <a:rPr kumimoji="0" lang="en-US" sz="5000" b="0" i="0" u="none" strike="noStrike" kern="0" cap="none" normalizeH="0" baseline="0" dirty="0" smtClean="0">
-                          <a:ln>
-                            <a:noFill/>
-                          </a:ln>
-                          <a:solidFill>
-                            <a:srgbClr val="002D55"/>
-                          </a:solidFill>
-                          <a:effectLst/>
-                          <a:latin typeface="Corisande" pitchFamily="2" charset="0"/>
-                        </a:rPr>
-                        <a:t>Normalization</a:t>
-                      </a:r>
                     </a:p>
                     <a:p>
                       <a:pPr marL="0" marR="0" lvl="0" indent="0" algn="l" defTabSz="4173538" rtl="0" eaLnBrk="1" fontAlgn="base" latinLnBrk="0" hangingPunct="1">
@@ -6197,7 +6440,33 @@
                           <a:effectLst/>
                           <a:latin typeface="+mn-lt"/>
                         </a:rPr>
-                        <a:t> provides a means to scrutinize the data and data treatment. We provide different levels of visualization brining the user from the quantitative 3D/4D projections all the way down to qualitative 1D linear cuts. All of the these tools cater for the possibility of in-situ </a:t>
+                        <a:t> provides a means to scrutinize the data and data treatment. We provide different levels of visualization </a:t>
+                      </a:r>
+                      <a:r>
+                        <a:rPr kumimoji="0" lang="en-US" sz="2400" b="0" i="0" u="none" strike="noStrike" kern="0" cap="none" normalizeH="0" baseline="0" dirty="0" smtClean="0">
+                          <a:ln>
+                            <a:noFill/>
+                          </a:ln>
+                          <a:solidFill>
+                            <a:schemeClr val="tx1"/>
+                          </a:solidFill>
+                          <a:effectLst/>
+                          <a:latin typeface="+mn-lt"/>
+                        </a:rPr>
+                        <a:t>bringing </a:t>
+                      </a:r>
+                      <a:r>
+                        <a:rPr kumimoji="0" lang="en-US" sz="2400" b="0" i="0" u="none" strike="noStrike" kern="0" cap="none" normalizeH="0" baseline="0" dirty="0" smtClean="0">
+                          <a:ln>
+                            <a:noFill/>
+                          </a:ln>
+                          <a:solidFill>
+                            <a:schemeClr val="tx1"/>
+                          </a:solidFill>
+                          <a:effectLst/>
+                          <a:latin typeface="+mn-lt"/>
+                        </a:rPr>
+                        <a:t>the user from the quantitative 3D/4D projections all the way down to qualitative 1D linear cuts. All of the these tools cater for the possibility of in-situ </a:t>
                       </a:r>
                       <a:r>
                         <a:rPr kumimoji="0" lang="en-US" sz="2400" b="0" i="0" u="none" strike="noStrike" kern="0" cap="none" normalizeH="0" baseline="0" dirty="0" err="1" smtClean="0">
@@ -6244,35 +6513,6 @@
                         <a:tabLst/>
                         <a:defRPr/>
                       </a:pPr>
-                      <a:endParaRPr kumimoji="0" lang="en-US" sz="2400" b="0" i="0" u="none" strike="noStrike" kern="0" cap="none" normalizeH="0" baseline="0" dirty="0" smtClean="0">
-                        <a:ln>
-                          <a:noFill/>
-                        </a:ln>
-                        <a:solidFill>
-                          <a:schemeClr val="tx1"/>
-                        </a:solidFill>
-                        <a:effectLst/>
-                        <a:latin typeface="+mn-lt"/>
-                      </a:endParaRPr>
-                    </a:p>
-                    <a:p>
-                      <a:pPr marL="0" marR="0" lvl="0" indent="0" algn="l" defTabSz="4173538" rtl="0" eaLnBrk="1" fontAlgn="base" latinLnBrk="0" hangingPunct="1">
-                        <a:lnSpc>
-                          <a:spcPct val="100000"/>
-                        </a:lnSpc>
-                        <a:spcBef>
-                          <a:spcPct val="20000"/>
-                        </a:spcBef>
-                        <a:spcAft>
-                          <a:spcPct val="0"/>
-                        </a:spcAft>
-                        <a:buClrTx/>
-                        <a:buSzTx/>
-                        <a:buFontTx/>
-                        <a:buNone/>
-                        <a:tabLst/>
-                        <a:defRPr/>
-                      </a:pPr>
                       <a:r>
                         <a:rPr kumimoji="0" lang="en-US" sz="2400" b="0" i="0" u="none" strike="noStrike" kern="0" cap="none" normalizeH="0" baseline="0" dirty="0" smtClean="0">
                           <a:ln>
@@ -6284,7 +6524,20 @@
                           <a:effectLst/>
                           <a:latin typeface="+mn-lt"/>
                         </a:rPr>
-                        <a:t>As well as providing full dataset visualization via VTK, a well used tool is our </a:t>
+                        <a:t>As </a:t>
+                      </a:r>
+                      <a:r>
+                        <a:rPr kumimoji="0" lang="en-US" sz="2400" b="0" i="0" u="none" strike="noStrike" kern="0" cap="none" normalizeH="0" baseline="0" dirty="0" smtClean="0">
+                          <a:ln>
+                            <a:noFill/>
+                          </a:ln>
+                          <a:solidFill>
+                            <a:schemeClr val="tx1"/>
+                          </a:solidFill>
+                          <a:effectLst/>
+                          <a:latin typeface="+mn-lt"/>
+                        </a:rPr>
+                        <a:t>well as providing full dataset visualization via VTK, a well used tool is our </a:t>
                       </a:r>
                       <a:r>
                         <a:rPr kumimoji="0" lang="en-US" sz="2400" b="0" i="0" u="none" strike="noStrike" kern="0" cap="none" normalizeH="0" baseline="0" dirty="0" err="1" smtClean="0">
@@ -6313,6 +6566,32 @@
                         <a:t>, which allows users to take 2D projections through </a:t>
                       </a:r>
                       <a:r>
+                        <a:rPr kumimoji="0" lang="en-US" sz="2400" b="0" i="0" u="none" strike="noStrike" kern="0" cap="none" normalizeH="0" baseline="0" dirty="0" smtClean="0">
+                          <a:ln>
+                            <a:noFill/>
+                          </a:ln>
+                          <a:solidFill>
+                            <a:schemeClr val="tx1"/>
+                          </a:solidFill>
+                          <a:effectLst/>
+                          <a:latin typeface="+mn-lt"/>
+                        </a:rPr>
+                        <a:t>n-dimensional datasets </a:t>
+                      </a:r>
+                      <a:r>
+                        <a:rPr kumimoji="0" lang="en-US" sz="2400" b="0" i="0" u="none" strike="noStrike" kern="0" cap="none" normalizeH="0" baseline="0" dirty="0" smtClean="0">
+                          <a:ln>
+                            <a:noFill/>
+                          </a:ln>
+                          <a:solidFill>
+                            <a:schemeClr val="tx1"/>
+                          </a:solidFill>
+                          <a:effectLst/>
+                          <a:latin typeface="+mn-lt"/>
+                        </a:rPr>
+                        <a:t>and extract 1D slices both graphically and programmatically. Our visualization tools are connected, so it’s possible, for example, to launch the </a:t>
+                      </a:r>
+                      <a:r>
                         <a:rPr kumimoji="0" lang="en-US" sz="2400" b="0" i="0" u="none" strike="noStrike" kern="0" cap="none" normalizeH="0" baseline="0" dirty="0" err="1" smtClean="0">
                           <a:ln>
                             <a:noFill/>
@@ -6323,7 +6602,7 @@
                           <a:effectLst/>
                           <a:latin typeface="+mn-lt"/>
                         </a:rPr>
-                        <a:t>nD</a:t>
+                        <a:t>SliceViewer</a:t>
                       </a:r>
                       <a:r>
                         <a:rPr kumimoji="0" lang="en-US" sz="2400" b="0" i="0" u="none" strike="noStrike" kern="0" cap="none" normalizeH="0" baseline="0" dirty="0" smtClean="0">
@@ -6336,7 +6615,20 @@
                           <a:effectLst/>
                           <a:latin typeface="+mn-lt"/>
                         </a:rPr>
-                        <a:t> datasets and extract 1D slices both graphically and programmatically. Our visualization tools are connected, so it’s possible, for example, to launch the </a:t>
+                        <a:t> (</a:t>
+                      </a:r>
+                      <a:r>
+                        <a:rPr kumimoji="0" lang="en-US" sz="2400" b="0" i="0" u="none" strike="noStrike" kern="0" cap="none" normalizeH="0" baseline="0" dirty="0" smtClean="0">
+                          <a:ln>
+                            <a:noFill/>
+                          </a:ln>
+                          <a:solidFill>
+                            <a:schemeClr val="tx1"/>
+                          </a:solidFill>
+                          <a:effectLst/>
+                          <a:latin typeface="+mn-lt"/>
+                        </a:rPr>
+                        <a:t>2D) from a region of interest on a 3D/4D dataset. The </a:t>
                       </a:r>
                       <a:r>
                         <a:rPr kumimoji="0" lang="en-US" sz="2400" b="0" i="0" u="none" strike="noStrike" kern="0" cap="none" normalizeH="0" baseline="0" dirty="0" err="1" smtClean="0">
@@ -6352,6 +6644,19 @@
                         <a:t>SliceViewer</a:t>
                       </a:r>
                       <a:r>
+                        <a:rPr kumimoji="0" lang="en-US" sz="2400" b="0" i="1" u="none" strike="noStrike" kern="0" cap="none" normalizeH="0" baseline="0" dirty="0" smtClean="0">
+                          <a:ln>
+                            <a:noFill/>
+                          </a:ln>
+                          <a:solidFill>
+                            <a:schemeClr val="tx1"/>
+                          </a:solidFill>
+                          <a:effectLst/>
+                          <a:latin typeface="+mn-lt"/>
+                        </a:rPr>
+                        <a:t> </a:t>
+                      </a:r>
+                      <a:r>
                         <a:rPr kumimoji="0" lang="en-US" sz="2400" b="0" i="0" u="none" strike="noStrike" kern="0" cap="none" normalizeH="0" baseline="0" dirty="0" smtClean="0">
                           <a:ln>
                             <a:noFill/>
@@ -6362,33 +6667,7 @@
                           <a:effectLst/>
                           <a:latin typeface="+mn-lt"/>
                         </a:rPr>
-                        <a:t>(2D) from a region of interest on a 3D/4D dataset. The </a:t>
-                      </a:r>
-                      <a:r>
-                        <a:rPr kumimoji="0" lang="en-US" sz="2400" b="0" i="0" u="none" strike="noStrike" kern="0" cap="none" normalizeH="0" baseline="0" dirty="0" err="1" smtClean="0">
-                          <a:ln>
-                            <a:noFill/>
-                          </a:ln>
-                          <a:solidFill>
-                            <a:schemeClr val="tx1"/>
-                          </a:solidFill>
-                          <a:effectLst/>
-                          <a:latin typeface="+mn-lt"/>
-                        </a:rPr>
-                        <a:t>SliceViewer</a:t>
-                      </a:r>
-                      <a:r>
-                        <a:rPr kumimoji="0" lang="en-US" sz="2400" b="0" i="1" u="none" strike="noStrike" kern="0" cap="none" normalizeH="0" baseline="0" dirty="0" smtClean="0">
-                          <a:ln>
-                            <a:noFill/>
-                          </a:ln>
-                          <a:solidFill>
-                            <a:schemeClr val="tx1"/>
-                          </a:solidFill>
-                          <a:effectLst/>
-                          <a:latin typeface="+mn-lt"/>
-                        </a:rPr>
-                        <a:t> </a:t>
+                        <a:t>gives us the ability to stack multiple peak lists over the same reciprocal space and edit them independently if needed</a:t>
                       </a:r>
                       <a:r>
                         <a:rPr kumimoji="0" lang="en-US" sz="2400" b="0" i="0" u="none" strike="noStrike" kern="0" cap="none" normalizeH="0" baseline="0" dirty="0" smtClean="0">
@@ -6401,9 +6680,42 @@
                           <a:effectLst/>
                           <a:latin typeface="+mn-lt"/>
                         </a:rPr>
-                        <a:t>gives us the ability to stack multiple peak lists over the same reciprocal space and edit them independently if needed.</a:t>
-                      </a:r>
-                      <a:endParaRPr kumimoji="0" lang="en-US" sz="2400" b="0" i="1" u="none" strike="noStrike" kern="0" cap="none" normalizeH="0" baseline="0" dirty="0" smtClean="0">
+                        <a:t>.</a:t>
+                      </a:r>
+                      <a:r>
+                        <a:rPr lang="en-US" sz="2400" kern="1200" dirty="0" smtClean="0">
+                          <a:solidFill>
+                            <a:schemeClr val="tx1"/>
+                          </a:solidFill>
+                          <a:latin typeface="+mn-lt"/>
+                          <a:ea typeface="+mn-ea"/>
+                          <a:cs typeface="+mn-cs"/>
+                        </a:rPr>
+                        <a:t> Being able to see is also crucial for screening real peaks </a:t>
+                      </a:r>
+                      <a:r>
+                        <a:rPr lang="en-US" sz="2400" kern="1200" dirty="0" err="1" smtClean="0">
+                          <a:solidFill>
+                            <a:schemeClr val="tx1"/>
+                          </a:solidFill>
+                          <a:latin typeface="+mn-lt"/>
+                          <a:ea typeface="+mn-ea"/>
+                          <a:cs typeface="+mn-cs"/>
+                        </a:rPr>
+                        <a:t>vs</a:t>
+                      </a:r>
+                      <a:r>
+                        <a:rPr lang="en-US" sz="2400" kern="1200" dirty="0" smtClean="0">
+                          <a:solidFill>
+                            <a:schemeClr val="tx1"/>
+                          </a:solidFill>
+                          <a:latin typeface="+mn-lt"/>
+                          <a:ea typeface="+mn-ea"/>
+                          <a:cs typeface="+mn-cs"/>
+                        </a:rPr>
+                        <a:t> sample environment peaks.</a:t>
+                      </a:r>
+                      <a:endParaRPr kumimoji="0" lang="en-US" sz="2400" b="0" i="0" u="none" strike="noStrike" kern="0" cap="none" normalizeH="0" baseline="0" dirty="0" smtClean="0">
                         <a:ln>
                           <a:noFill/>
                         </a:ln>
@@ -6411,7 +6723,7 @@
                           <a:srgbClr val="002D55"/>
                         </a:solidFill>
                         <a:effectLst/>
-                        <a:latin typeface="+mn-lt"/>
+                        <a:latin typeface="Corisande" pitchFamily="2" charset="0"/>
                       </a:endParaRPr>
                     </a:p>
                     <a:p>
@@ -6867,6 +7179,19 @@
                         <a:tabLst/>
                         <a:defRPr/>
                       </a:pPr>
+                      <a:r>
+                        <a:rPr kumimoji="0" lang="en-US" sz="5000" b="0" i="0" u="none" strike="noStrike" kern="0" cap="none" normalizeH="0" baseline="0" dirty="0" smtClean="0">
+                          <a:ln>
+                            <a:noFill/>
+                          </a:ln>
+                          <a:solidFill>
+                            <a:srgbClr val="002D55"/>
+                          </a:solidFill>
+                          <a:effectLst/>
+                          <a:latin typeface="Corisande" pitchFamily="2" charset="0"/>
+                        </a:rPr>
+                        <a:t>Future </a:t>
+                      </a:r>
                       <a:endParaRPr kumimoji="0" lang="en-US" sz="5000" b="0" i="0" u="none" strike="noStrike" kern="0" cap="none" normalizeH="0" baseline="0" dirty="0" smtClean="0">
                         <a:ln>
                           <a:noFill/>
@@ -6877,6 +7202,105 @@
                         <a:effectLst/>
                         <a:latin typeface="Corisande" pitchFamily="2" charset="0"/>
                       </a:endParaRPr>
+                    </a:p>
+                    <a:p>
+                      <a:r>
+                        <a:rPr lang="en-GB" sz="2400" b="0" i="0" kern="1200" dirty="0" err="1" smtClean="0">
+                          <a:solidFill>
+                            <a:schemeClr val="tx1"/>
+                          </a:solidFill>
+                          <a:effectLst/>
+                          <a:latin typeface="+mn-lt"/>
+                          <a:ea typeface="+mn-ea"/>
+                          <a:cs typeface="Arial"/>
+                        </a:rPr>
+                        <a:t>Mantid</a:t>
+                      </a:r>
+                      <a:r>
+                        <a:rPr lang="en-GB" sz="2400" b="0" i="0" kern="1200" dirty="0" smtClean="0">
+                          <a:solidFill>
+                            <a:schemeClr val="tx1"/>
+                          </a:solidFill>
+                          <a:effectLst/>
+                          <a:latin typeface="+mn-lt"/>
+                          <a:ea typeface="+mn-ea"/>
+                          <a:cs typeface="Arial"/>
+                        </a:rPr>
+                        <a:t> is actively being developed.</a:t>
+                      </a:r>
+                      <a:r>
+                        <a:rPr lang="en-US" sz="2400" kern="1200" dirty="0" smtClean="0">
+                          <a:solidFill>
+                            <a:schemeClr val="tx1"/>
+                          </a:solidFill>
+                          <a:latin typeface="+mn-lt"/>
+                          <a:ea typeface="+mn-ea"/>
+                          <a:cs typeface="+mn-cs"/>
+                        </a:rPr>
+                        <a:t> Multiple scattering corrections and the introduction of space group symmetry directly in </a:t>
+                      </a:r>
+                      <a:r>
+                        <a:rPr lang="en-US" sz="2400" kern="1200" dirty="0" err="1" smtClean="0">
+                          <a:solidFill>
+                            <a:schemeClr val="tx1"/>
+                          </a:solidFill>
+                          <a:latin typeface="+mn-lt"/>
+                          <a:ea typeface="+mn-ea"/>
+                          <a:cs typeface="+mn-cs"/>
+                        </a:rPr>
+                        <a:t>Mantid</a:t>
+                      </a:r>
+                      <a:r>
+                        <a:rPr lang="en-US" sz="2400" kern="1200" dirty="0" smtClean="0">
+                          <a:solidFill>
+                            <a:schemeClr val="tx1"/>
+                          </a:solidFill>
+                          <a:latin typeface="+mn-lt"/>
+                          <a:ea typeface="+mn-ea"/>
+                          <a:cs typeface="+mn-cs"/>
+                        </a:rPr>
+                        <a:t> will benefit the SCD community greatly.</a:t>
+                      </a:r>
+                    </a:p>
+                    <a:p>
+                      <a:endParaRPr lang="en-GB" sz="2400" b="0" i="0" kern="1200" baseline="0" dirty="0" smtClean="0">
+                        <a:solidFill>
+                          <a:schemeClr val="tx1"/>
+                        </a:solidFill>
+                        <a:effectLst/>
+                        <a:latin typeface="+mn-lt"/>
+                        <a:ea typeface="+mn-ea"/>
+                        <a:cs typeface="+mn-cs"/>
+                      </a:endParaRPr>
+                    </a:p>
+                    <a:p>
+                      <a:r>
+                        <a:rPr lang="en-GB" sz="2400" b="0" i="0" kern="1200" baseline="0" dirty="0" smtClean="0">
+                          <a:solidFill>
+                            <a:schemeClr val="tx1"/>
+                          </a:solidFill>
+                          <a:effectLst/>
+                          <a:latin typeface="+mn-lt"/>
+                          <a:ea typeface="+mn-ea"/>
+                          <a:cs typeface="+mn-cs"/>
+                        </a:rPr>
+                        <a:t>New developments in hardware continually lead to higher data rates. The introduction of the ESS into the collaboration will push further our existing methodologies.</a:t>
+                      </a:r>
+                    </a:p>
+                    <a:p>
+                      <a:r>
+                        <a:rPr kumimoji="0" lang="en-US" sz="5000" b="0" i="0" u="none" strike="noStrike" kern="0" cap="none" normalizeH="0" baseline="0" dirty="0" smtClean="0">
+                          <a:ln>
+                            <a:noFill/>
+                          </a:ln>
+                          <a:solidFill>
+                            <a:srgbClr val="002D55"/>
+                          </a:solidFill>
+                          <a:effectLst/>
+                          <a:latin typeface="Corisande" pitchFamily="2" charset="0"/>
+                        </a:rPr>
+                        <a:t>Acknowledgments  </a:t>
+                      </a:r>
                     </a:p>
                     <a:p>
                       <a:pPr marL="0" marR="0" lvl="0" indent="0" algn="l" defTabSz="4173538" rtl="0" eaLnBrk="1" fontAlgn="base" latinLnBrk="0" hangingPunct="1">
@@ -6897,69 +7321,48 @@
                         <a:defRPr/>
                       </a:pPr>
                       <a:r>
-                        <a:rPr kumimoji="0" lang="en-US" sz="5000" b="0" i="0" u="none" strike="noStrike" kern="0" cap="none" normalizeH="0" baseline="0" dirty="0" smtClean="0">
-                          <a:ln>
-                            <a:noFill/>
-                          </a:ln>
-                          <a:solidFill>
-                            <a:srgbClr val="002D55"/>
-                          </a:solidFill>
-                          <a:effectLst/>
-                          <a:latin typeface="Corisande" pitchFamily="2" charset="0"/>
-                        </a:rPr>
-                        <a:t>Future </a:t>
-                      </a:r>
-                    </a:p>
-                    <a:p>
-                      <a:r>
-                        <a:rPr lang="en-GB" sz="2400" b="0" i="0" kern="1200" dirty="0" err="1" smtClean="0">
-                          <a:solidFill>
-                            <a:schemeClr val="tx1"/>
-                          </a:solidFill>
-                          <a:effectLst/>
-                          <a:latin typeface="+mn-lt"/>
-                          <a:ea typeface="+mn-ea"/>
-                          <a:cs typeface="Arial"/>
-                        </a:rPr>
-                        <a:t>Mantid</a:t>
-                      </a:r>
-                      <a:r>
-                        <a:rPr lang="en-GB" sz="2400" b="0" i="0" kern="1200" dirty="0" smtClean="0">
-                          <a:solidFill>
-                            <a:schemeClr val="tx1"/>
-                          </a:solidFill>
-                          <a:effectLst/>
-                          <a:latin typeface="+mn-lt"/>
-                          <a:ea typeface="+mn-ea"/>
-                          <a:cs typeface="Arial"/>
-                        </a:rPr>
-                        <a:t> is actively being developed.  Frequent meetings with instrument scientists continue to provide a steady stream of additional requirements and challenges.</a:t>
-                      </a:r>
-                    </a:p>
-                    <a:p>
-                      <a:endParaRPr lang="en-GB" sz="2400" b="0" i="0" kern="1200" baseline="0" dirty="0" smtClean="0">
+                        <a:rPr lang="en-US" sz="2400" b="0" i="0" kern="1200" dirty="0" smtClean="0">
+                          <a:solidFill>
+                            <a:schemeClr val="tx1"/>
+                          </a:solidFill>
+                          <a:latin typeface="+mn-lt"/>
+                          <a:ea typeface="+mn-ea"/>
+                          <a:cs typeface="+mn-cs"/>
+                        </a:rPr>
+                        <a:t>A portion of this research, at ORNL’s Spallation Neutron Source, was sponsored by the Scientific User Facilities Division, Office of Basic Energy Sciences, US Department of</a:t>
+                      </a:r>
+                      <a:r>
+                        <a:rPr lang="en-US" sz="2400" b="0" i="0" kern="1200" baseline="0" dirty="0" smtClean="0">
+                          <a:solidFill>
+                            <a:schemeClr val="tx1"/>
+                          </a:solidFill>
+                          <a:latin typeface="+mn-lt"/>
+                          <a:ea typeface="+mn-ea"/>
+                          <a:cs typeface="+mn-cs"/>
+                        </a:rPr>
+                        <a:t> </a:t>
+                      </a:r>
+                      <a:r>
+                        <a:rPr lang="en-US" sz="2400" b="0" i="0" kern="1200" dirty="0" smtClean="0">
+                          <a:solidFill>
+                            <a:schemeClr val="tx1"/>
+                          </a:solidFill>
+                          <a:latin typeface="+mn-lt"/>
+                          <a:ea typeface="+mn-ea"/>
+                          <a:cs typeface="+mn-cs"/>
+                        </a:rPr>
+                        <a:t>Energy.</a:t>
+                      </a:r>
+                      <a:endParaRPr kumimoji="0" lang="en-US" sz="2400" b="0" i="0" u="none" strike="noStrike" kern="0" cap="none" normalizeH="0" baseline="0" dirty="0" smtClean="0">
+                        <a:ln>
+                          <a:noFill/>
+                        </a:ln>
                         <a:solidFill>
-                          <a:schemeClr val="tx1"/>
+                          <a:srgbClr val="002D55"/>
                         </a:solidFill>
                         <a:effectLst/>
                         <a:latin typeface="+mn-lt"/>
-                        <a:ea typeface="+mn-ea"/>
-                        <a:cs typeface="+mn-cs"/>
                       </a:endParaRPr>
-                    </a:p>
-                    <a:p>
-                      <a:r>
-                        <a:rPr lang="en-GB" sz="2400" b="0" i="0" kern="1200" baseline="0" dirty="0" smtClean="0">
-                          <a:solidFill>
-                            <a:schemeClr val="tx1"/>
-                          </a:solidFill>
-                          <a:effectLst/>
-                          <a:latin typeface="+mn-lt"/>
-                          <a:ea typeface="+mn-ea"/>
-                          <a:cs typeface="+mn-cs"/>
-                        </a:rPr>
-                        <a:t>New developments in hardware continually lead to higher data rates. The introduction of the ESS into the collaboration will push further our existing methodologies.</a:t>
-                      </a:r>
                     </a:p>
                     <a:p>
                       <a:pPr marL="0" marR="0" lvl="0" indent="0" algn="l" defTabSz="4173538" rtl="0" eaLnBrk="1" fontAlgn="base" latinLnBrk="0" hangingPunct="1">
@@ -6992,6 +7395,16 @@
                         </a:rPr>
                         <a:t>References</a:t>
                       </a:r>
+                      <a:endParaRPr kumimoji="0" lang="en-US" sz="5000" b="0" i="0" u="none" strike="noStrike" kern="0" cap="none" normalizeH="0" baseline="0" dirty="0" smtClean="0">
+                        <a:ln>
+                          <a:noFill/>
+                        </a:ln>
+                        <a:solidFill>
+                          <a:srgbClr val="002D55"/>
+                        </a:solidFill>
+                        <a:effectLst/>
+                        <a:latin typeface="Corisande" pitchFamily="2" charset="0"/>
+                      </a:endParaRPr>
                     </a:p>
                     <a:p>
                       <a:r>
@@ -8061,16 +8474,7 @@
                 </a:solidFill>
                 <a:latin typeface="+mn-lt"/>
               </a:rPr>
-              <a:t>, </a:t>
-            </a:r>
-            <a:r>
-              <a:rPr lang="en-GB" dirty="0" smtClean="0">
-                <a:solidFill>
-                  <a:srgbClr val="002D55"/>
-                </a:solidFill>
-                <a:latin typeface="+mn-lt"/>
-              </a:rPr>
-              <a:t>Jon Taylor</a:t>
+              <a:t>, Jon Taylor</a:t>
             </a:r>
             <a:r>
               <a:rPr lang="en-GB" baseline="30000" dirty="0" smtClean="0">
@@ -8081,12 +8485,6 @@
               </a:rPr>
               <a:t>4</a:t>
             </a:r>
-            <a:endParaRPr lang="en-GB" baseline="30000" dirty="0" smtClean="0">
-              <a:solidFill>
-                <a:srgbClr val="002D55"/>
-              </a:solidFill>
-              <a:latin typeface="+mn-lt"/>
-            </a:endParaRPr>
           </a:p>
           <a:p>
             <a:pPr algn="ctr"/>
@@ -8127,23 +8525,8 @@
                 </a:solidFill>
                 <a:latin typeface="+mn-lt"/>
               </a:rPr>
-              <a:t>STFC Rutherford Appleton Laboratory, Oxfordshire, </a:t>
+              <a:t>STFC Rutherford Appleton Laboratory, Oxfordshire, GB</a:t>
             </a:r>
-            <a:r>
-              <a:rPr lang="en-GB" dirty="0" smtClean="0">
-                <a:solidFill>
-                  <a:srgbClr val="002D55"/>
-                </a:solidFill>
-                <a:latin typeface="+mn-lt"/>
-              </a:rPr>
-              <a:t>GB</a:t>
-            </a:r>
-            <a:endParaRPr lang="en-GB" dirty="0" smtClean="0">
-              <a:solidFill>
-                <a:srgbClr val="002D55"/>
-              </a:solidFill>
-              <a:latin typeface="+mn-lt"/>
-            </a:endParaRPr>
           </a:p>
           <a:p>
             <a:pPr algn="ctr"/>
@@ -8163,16 +8546,7 @@
                 </a:solidFill>
                 <a:latin typeface="+mn-lt"/>
               </a:rPr>
-              <a:t>Oak Ridge National Laboratory, Oak Ridge, Tennessee, </a:t>
-            </a:r>
-            <a:r>
-              <a:rPr lang="en-GB" dirty="0" smtClean="0">
-                <a:solidFill>
-                  <a:srgbClr val="002D55"/>
-                </a:solidFill>
-                <a:latin typeface="+mn-lt"/>
-              </a:rPr>
-              <a:t>US</a:t>
+              <a:t>Oak Ridge National Laboratory, Oak Ridge, Tennessee, US</a:t>
             </a:r>
           </a:p>
           <a:p>
@@ -8195,12 +8569,6 @@
               </a:rPr>
               <a:t>European Spallation Source, Lund, SE</a:t>
             </a:r>
-            <a:endParaRPr lang="en-GB" dirty="0" smtClean="0">
-              <a:solidFill>
-                <a:srgbClr val="002D55"/>
-              </a:solidFill>
-              <a:latin typeface="+mn-lt"/>
-            </a:endParaRPr>
           </a:p>
           <a:p>
             <a:pPr algn="ctr"/>
@@ -8319,8 +8687,8 @@
         </p:nvGrpSpPr>
         <p:grpSpPr>
           <a:xfrm>
-            <a:off x="10510838" y="21977945"/>
-            <a:ext cx="9076797" cy="3970845"/>
+            <a:off x="10798870" y="23274089"/>
+            <a:ext cx="8424936" cy="3600400"/>
             <a:chOff x="10726862" y="24990135"/>
             <a:chExt cx="9076797" cy="3970845"/>
           </a:xfrm>
@@ -8432,7 +8800,7 @@
         </p:nvGrpSpPr>
         <p:grpSpPr>
           <a:xfrm>
-            <a:off x="861766" y="30474889"/>
+            <a:off x="861766" y="31833749"/>
             <a:ext cx="9144000" cy="6345996"/>
             <a:chOff x="861766" y="29754809"/>
             <a:chExt cx="9144000" cy="6345996"/>
@@ -8505,7 +8873,7 @@
         </p:nvGrpSpPr>
         <p:grpSpPr>
           <a:xfrm>
-            <a:off x="10726862" y="33394447"/>
+            <a:off x="10942886" y="34435329"/>
             <a:ext cx="7920880" cy="5071554"/>
             <a:chOff x="10294814" y="36163521"/>
             <a:chExt cx="7059538" cy="4822795"/>
@@ -8584,7 +8952,7 @@
         </p:nvGrpSpPr>
         <p:grpSpPr>
           <a:xfrm>
-            <a:off x="10366822" y="16937385"/>
+            <a:off x="10366822" y="18367140"/>
             <a:ext cx="9303857" cy="4703080"/>
             <a:chOff x="10438830" y="9485227"/>
             <a:chExt cx="9303857" cy="4703080"/>
@@ -8780,7 +9148,7 @@
         </p:nvGrpSpPr>
         <p:grpSpPr>
           <a:xfrm>
-            <a:off x="19943886" y="15929273"/>
+            <a:off x="20015894" y="16217305"/>
             <a:ext cx="8793560" cy="5614883"/>
             <a:chOff x="11374934" y="14849153"/>
             <a:chExt cx="8793560" cy="5614883"/>
@@ -8865,10 +9233,10 @@
         </p:nvGrpSpPr>
         <p:grpSpPr>
           <a:xfrm>
-            <a:off x="20015894" y="21833929"/>
-            <a:ext cx="8712968" cy="8423195"/>
-            <a:chOff x="20015894" y="21833929"/>
-            <a:chExt cx="8712968" cy="8423195"/>
+            <a:off x="20087902" y="22193969"/>
+            <a:ext cx="8424936" cy="7343075"/>
+            <a:chOff x="20015894" y="23166752"/>
+            <a:chExt cx="8712968" cy="7090372"/>
           </a:xfrm>
         </p:grpSpPr>
         <p:pic>
@@ -8879,7 +9247,7 @@
             </p:cNvPicPr>
             <p:nvPr/>
           </p:nvPicPr>
-          <p:blipFill>
+          <p:blipFill rotWithShape="1">
             <a:blip r:embed="rId9">
               <a:extLst>
                 <a:ext uri="{28A0092B-C50C-407E-A947-70E740481C1C}">
@@ -8887,14 +9255,13 @@
                 </a:ext>
               </a:extLst>
             </a:blip>
-            <a:stretch>
-              <a:fillRect/>
-            </a:stretch>
+            <a:srcRect t="17416"/>
+            <a:stretch/>
           </p:blipFill>
           <p:spPr>
             <a:xfrm>
-              <a:off x="20015894" y="21833929"/>
-              <a:ext cx="8712968" cy="7652835"/>
+              <a:off x="20015894" y="23166752"/>
+              <a:ext cx="8712968" cy="6320011"/>
             </a:xfrm>
             <a:prstGeom prst="rect">
               <a:avLst/>
@@ -8962,7 +9329,7 @@
         </p:nvGrpSpPr>
         <p:grpSpPr>
           <a:xfrm>
-            <a:off x="9877541" y="39187857"/>
+            <a:off x="9877541" y="39691913"/>
             <a:ext cx="19586276" cy="2382215"/>
             <a:chOff x="9877541" y="39475889"/>
             <a:chExt cx="19586276" cy="2382215"/>
@@ -9122,7 +9489,7 @@
         </p:blipFill>
         <p:spPr>
           <a:xfrm>
-            <a:off x="861766" y="38899825"/>
+            <a:off x="861766" y="39126494"/>
             <a:ext cx="5544616" cy="3085699"/>
           </a:xfrm>
           <a:prstGeom prst="rect">
